--- a/Marie Antonette Bacay/Authentication.pptx
+++ b/Marie Antonette Bacay/Authentication.pptx
@@ -5,49 +5,51 @@
     <p:sldMasterId id="2147483676" r:id="rId1"/>
   </p:sldMasterIdLst>
   <p:notesMasterIdLst>
-    <p:notesMasterId r:id="rId9"/>
+    <p:notesMasterId r:id="rId11"/>
   </p:notesMasterIdLst>
   <p:sldIdLst>
     <p:sldId id="256" r:id="rId2"/>
-    <p:sldId id="257" r:id="rId3"/>
-    <p:sldId id="258" r:id="rId4"/>
-    <p:sldId id="315" r:id="rId5"/>
-    <p:sldId id="316" r:id="rId6"/>
-    <p:sldId id="318" r:id="rId7"/>
-    <p:sldId id="314" r:id="rId8"/>
+    <p:sldId id="320" r:id="rId3"/>
+    <p:sldId id="257" r:id="rId4"/>
+    <p:sldId id="258" r:id="rId5"/>
+    <p:sldId id="315" r:id="rId6"/>
+    <p:sldId id="316" r:id="rId7"/>
+    <p:sldId id="318" r:id="rId8"/>
+    <p:sldId id="321" r:id="rId9"/>
+    <p:sldId id="314" r:id="rId10"/>
   </p:sldIdLst>
   <p:sldSz cx="9144000" cy="5143500" type="screen16x9"/>
   <p:notesSz cx="6858000" cy="9144000"/>
   <p:embeddedFontLst>
     <p:embeddedFont>
       <p:font typeface="Fira Sans Extra Condensed Medium" panose="020B0604020202020204" charset="0"/>
-      <p:regular r:id="rId10"/>
-      <p:bold r:id="rId11"/>
-      <p:italic r:id="rId12"/>
-      <p:boldItalic r:id="rId13"/>
+      <p:regular r:id="rId12"/>
+      <p:bold r:id="rId13"/>
+      <p:italic r:id="rId14"/>
+      <p:boldItalic r:id="rId15"/>
     </p:embeddedFont>
     <p:embeddedFont>
       <p:font typeface="Hammersmith One" panose="02010703030501060504" pitchFamily="2" charset="0"/>
-      <p:regular r:id="rId14"/>
+      <p:regular r:id="rId16"/>
     </p:embeddedFont>
     <p:embeddedFont>
       <p:font typeface="Josefin Sans" pitchFamily="2" charset="0"/>
-      <p:regular r:id="rId15"/>
-      <p:bold r:id="rId16"/>
-      <p:italic r:id="rId17"/>
-      <p:boldItalic r:id="rId18"/>
+      <p:regular r:id="rId17"/>
+      <p:bold r:id="rId18"/>
+      <p:italic r:id="rId19"/>
+      <p:boldItalic r:id="rId20"/>
     </p:embeddedFont>
     <p:embeddedFont>
       <p:font typeface="Lato" panose="020F0502020204030203" pitchFamily="34" charset="0"/>
-      <p:regular r:id="rId19"/>
-      <p:bold r:id="rId20"/>
-      <p:italic r:id="rId21"/>
-      <p:boldItalic r:id="rId22"/>
+      <p:regular r:id="rId21"/>
+      <p:bold r:id="rId22"/>
+      <p:italic r:id="rId23"/>
+      <p:boldItalic r:id="rId24"/>
     </p:embeddedFont>
     <p:embeddedFont>
       <p:font typeface="Roboto Condensed Light" panose="02000000000000000000" pitchFamily="2" charset="0"/>
-      <p:regular r:id="rId23"/>
-      <p:italic r:id="rId24"/>
+      <p:regular r:id="rId25"/>
+      <p:italic r:id="rId26"/>
     </p:embeddedFont>
   </p:embeddedFontLst>
   <p:defaultTextStyle>
@@ -293,6 +295,2961 @@
     <p1510:client id="{2CB7BD42-700F-4E3B-9882-687E3025F64B}" v="88" dt="2022-05-14T00:35:08.687"/>
   </p1510:revLst>
 </p1510:revInfo>
+</file>
+
+<file path=ppt/diagrams/colors1.xml><?xml version="1.0" encoding="utf-8"?>
+<dgm:colorsDef xmlns:dgm="http://schemas.openxmlformats.org/drawingml/2006/diagram" xmlns:a="http://schemas.openxmlformats.org/drawingml/2006/main" uniqueId="urn:microsoft.com/office/officeart/2005/8/colors/accent6_1">
+  <dgm:title val=""/>
+  <dgm:desc val=""/>
+  <dgm:catLst>
+    <dgm:cat type="accent6" pri="11100"/>
+  </dgm:catLst>
+  <dgm:styleLbl name="node0">
+    <dgm:fillClrLst meth="repeat">
+      <a:schemeClr val="lt1"/>
+    </dgm:fillClrLst>
+    <dgm:linClrLst meth="repeat">
+      <a:schemeClr val="accent6">
+        <a:shade val="80000"/>
+      </a:schemeClr>
+    </dgm:linClrLst>
+    <dgm:effectClrLst/>
+    <dgm:txLinClrLst/>
+    <dgm:txFillClrLst meth="repeat">
+      <a:schemeClr val="dk1"/>
+    </dgm:txFillClrLst>
+    <dgm:txEffectClrLst/>
+  </dgm:styleLbl>
+  <dgm:styleLbl name="node1">
+    <dgm:fillClrLst meth="repeat">
+      <a:schemeClr val="lt1"/>
+    </dgm:fillClrLst>
+    <dgm:linClrLst meth="repeat">
+      <a:schemeClr val="accent6">
+        <a:shade val="80000"/>
+      </a:schemeClr>
+    </dgm:linClrLst>
+    <dgm:effectClrLst/>
+    <dgm:txLinClrLst/>
+    <dgm:txFillClrLst meth="repeat">
+      <a:schemeClr val="dk1"/>
+    </dgm:txFillClrLst>
+    <dgm:txEffectClrLst/>
+  </dgm:styleLbl>
+  <dgm:styleLbl name="alignNode1">
+    <dgm:fillClrLst meth="repeat">
+      <a:schemeClr val="lt1"/>
+    </dgm:fillClrLst>
+    <dgm:linClrLst meth="repeat">
+      <a:schemeClr val="accent6">
+        <a:shade val="80000"/>
+      </a:schemeClr>
+    </dgm:linClrLst>
+    <dgm:effectClrLst/>
+    <dgm:txLinClrLst/>
+    <dgm:txFillClrLst meth="repeat">
+      <a:schemeClr val="dk1"/>
+    </dgm:txFillClrLst>
+    <dgm:txEffectClrLst/>
+  </dgm:styleLbl>
+  <dgm:styleLbl name="lnNode1">
+    <dgm:fillClrLst meth="repeat">
+      <a:schemeClr val="lt1"/>
+    </dgm:fillClrLst>
+    <dgm:linClrLst meth="repeat">
+      <a:schemeClr val="accent6">
+        <a:shade val="80000"/>
+      </a:schemeClr>
+    </dgm:linClrLst>
+    <dgm:effectClrLst/>
+    <dgm:txLinClrLst/>
+    <dgm:txFillClrLst meth="repeat">
+      <a:schemeClr val="dk1"/>
+    </dgm:txFillClrLst>
+    <dgm:txEffectClrLst/>
+  </dgm:styleLbl>
+  <dgm:styleLbl name="vennNode1">
+    <dgm:fillClrLst meth="repeat">
+      <a:schemeClr val="lt1">
+        <a:alpha val="50000"/>
+      </a:schemeClr>
+    </dgm:fillClrLst>
+    <dgm:linClrLst meth="repeat">
+      <a:schemeClr val="accent6">
+        <a:shade val="80000"/>
+      </a:schemeClr>
+    </dgm:linClrLst>
+    <dgm:effectClrLst/>
+    <dgm:txLinClrLst/>
+    <dgm:txFillClrLst/>
+    <dgm:txEffectClrLst/>
+  </dgm:styleLbl>
+  <dgm:styleLbl name="node2">
+    <dgm:fillClrLst meth="repeat">
+      <a:schemeClr val="lt1"/>
+    </dgm:fillClrLst>
+    <dgm:linClrLst meth="repeat">
+      <a:schemeClr val="accent6">
+        <a:shade val="80000"/>
+      </a:schemeClr>
+    </dgm:linClrLst>
+    <dgm:effectClrLst/>
+    <dgm:txLinClrLst/>
+    <dgm:txFillClrLst meth="repeat">
+      <a:schemeClr val="dk1"/>
+    </dgm:txFillClrLst>
+    <dgm:txEffectClrLst/>
+  </dgm:styleLbl>
+  <dgm:styleLbl name="node3">
+    <dgm:fillClrLst meth="repeat">
+      <a:schemeClr val="lt1"/>
+    </dgm:fillClrLst>
+    <dgm:linClrLst meth="repeat">
+      <a:schemeClr val="accent6">
+        <a:shade val="80000"/>
+      </a:schemeClr>
+    </dgm:linClrLst>
+    <dgm:effectClrLst/>
+    <dgm:txLinClrLst/>
+    <dgm:txFillClrLst meth="repeat">
+      <a:schemeClr val="dk1"/>
+    </dgm:txFillClrLst>
+    <dgm:txEffectClrLst/>
+  </dgm:styleLbl>
+  <dgm:styleLbl name="node4">
+    <dgm:fillClrLst meth="repeat">
+      <a:schemeClr val="lt1"/>
+    </dgm:fillClrLst>
+    <dgm:linClrLst meth="repeat">
+      <a:schemeClr val="accent6">
+        <a:shade val="80000"/>
+      </a:schemeClr>
+    </dgm:linClrLst>
+    <dgm:effectClrLst/>
+    <dgm:txLinClrLst/>
+    <dgm:txFillClrLst meth="repeat">
+      <a:schemeClr val="dk1"/>
+    </dgm:txFillClrLst>
+    <dgm:txEffectClrLst/>
+  </dgm:styleLbl>
+  <dgm:styleLbl name="fgImgPlace1">
+    <dgm:fillClrLst meth="repeat">
+      <a:schemeClr val="accent6">
+        <a:tint val="40000"/>
+      </a:schemeClr>
+    </dgm:fillClrLst>
+    <dgm:linClrLst meth="repeat">
+      <a:schemeClr val="accent6">
+        <a:shade val="80000"/>
+      </a:schemeClr>
+    </dgm:linClrLst>
+    <dgm:effectClrLst/>
+    <dgm:txLinClrLst/>
+    <dgm:txFillClrLst meth="repeat">
+      <a:schemeClr val="lt1"/>
+    </dgm:txFillClrLst>
+    <dgm:txEffectClrLst/>
+  </dgm:styleLbl>
+  <dgm:styleLbl name="alignImgPlace1">
+    <dgm:fillClrLst meth="repeat">
+      <a:schemeClr val="accent6">
+        <a:tint val="40000"/>
+      </a:schemeClr>
+    </dgm:fillClrLst>
+    <dgm:linClrLst meth="repeat">
+      <a:schemeClr val="accent6">
+        <a:shade val="80000"/>
+      </a:schemeClr>
+    </dgm:linClrLst>
+    <dgm:effectClrLst/>
+    <dgm:txLinClrLst/>
+    <dgm:txFillClrLst meth="repeat">
+      <a:schemeClr val="lt1"/>
+    </dgm:txFillClrLst>
+    <dgm:txEffectClrLst/>
+  </dgm:styleLbl>
+  <dgm:styleLbl name="bgImgPlace1">
+    <dgm:fillClrLst meth="repeat">
+      <a:schemeClr val="accent6">
+        <a:tint val="40000"/>
+      </a:schemeClr>
+    </dgm:fillClrLst>
+    <dgm:linClrLst meth="repeat">
+      <a:schemeClr val="accent6">
+        <a:shade val="80000"/>
+      </a:schemeClr>
+    </dgm:linClrLst>
+    <dgm:effectClrLst/>
+    <dgm:txLinClrLst/>
+    <dgm:txFillClrLst meth="repeat">
+      <a:schemeClr val="lt1"/>
+    </dgm:txFillClrLst>
+    <dgm:txEffectClrLst/>
+  </dgm:styleLbl>
+  <dgm:styleLbl name="sibTrans2D1">
+    <dgm:fillClrLst meth="repeat">
+      <a:schemeClr val="accent6">
+        <a:tint val="60000"/>
+      </a:schemeClr>
+    </dgm:fillClrLst>
+    <dgm:linClrLst meth="repeat">
+      <a:schemeClr val="accent6">
+        <a:tint val="60000"/>
+      </a:schemeClr>
+    </dgm:linClrLst>
+    <dgm:effectClrLst/>
+    <dgm:txLinClrLst/>
+    <dgm:txFillClrLst meth="repeat">
+      <a:schemeClr val="dk1"/>
+    </dgm:txFillClrLst>
+    <dgm:txEffectClrLst/>
+  </dgm:styleLbl>
+  <dgm:styleLbl name="fgSibTrans2D1">
+    <dgm:fillClrLst meth="repeat">
+      <a:schemeClr val="accent6">
+        <a:tint val="60000"/>
+      </a:schemeClr>
+    </dgm:fillClrLst>
+    <dgm:linClrLst meth="repeat">
+      <a:schemeClr val="accent6">
+        <a:tint val="60000"/>
+      </a:schemeClr>
+    </dgm:linClrLst>
+    <dgm:effectClrLst/>
+    <dgm:txLinClrLst/>
+    <dgm:txFillClrLst meth="repeat">
+      <a:schemeClr val="dk1"/>
+    </dgm:txFillClrLst>
+    <dgm:txEffectClrLst/>
+  </dgm:styleLbl>
+  <dgm:styleLbl name="bgSibTrans2D1">
+    <dgm:fillClrLst meth="repeat">
+      <a:schemeClr val="accent6">
+        <a:tint val="60000"/>
+      </a:schemeClr>
+    </dgm:fillClrLst>
+    <dgm:linClrLst meth="repeat">
+      <a:schemeClr val="accent6">
+        <a:tint val="60000"/>
+      </a:schemeClr>
+    </dgm:linClrLst>
+    <dgm:effectClrLst/>
+    <dgm:txLinClrLst/>
+    <dgm:txFillClrLst meth="repeat">
+      <a:schemeClr val="dk1"/>
+    </dgm:txFillClrLst>
+    <dgm:txEffectClrLst/>
+  </dgm:styleLbl>
+  <dgm:styleLbl name="sibTrans1D1">
+    <dgm:fillClrLst meth="repeat">
+      <a:schemeClr val="accent6"/>
+    </dgm:fillClrLst>
+    <dgm:linClrLst meth="repeat">
+      <a:schemeClr val="accent6"/>
+    </dgm:linClrLst>
+    <dgm:effectClrLst/>
+    <dgm:txLinClrLst/>
+    <dgm:txFillClrLst meth="repeat">
+      <a:schemeClr val="tx1"/>
+    </dgm:txFillClrLst>
+    <dgm:txEffectClrLst/>
+  </dgm:styleLbl>
+  <dgm:styleLbl name="callout">
+    <dgm:fillClrLst meth="repeat">
+      <a:schemeClr val="accent6"/>
+    </dgm:fillClrLst>
+    <dgm:linClrLst meth="repeat">
+      <a:schemeClr val="accent6"/>
+    </dgm:linClrLst>
+    <dgm:effectClrLst/>
+    <dgm:txLinClrLst/>
+    <dgm:txFillClrLst meth="repeat">
+      <a:schemeClr val="tx1"/>
+    </dgm:txFillClrLst>
+    <dgm:txEffectClrLst/>
+  </dgm:styleLbl>
+  <dgm:styleLbl name="asst0">
+    <dgm:fillClrLst meth="repeat">
+      <a:schemeClr val="lt1"/>
+    </dgm:fillClrLst>
+    <dgm:linClrLst meth="repeat">
+      <a:schemeClr val="accent6">
+        <a:shade val="80000"/>
+      </a:schemeClr>
+    </dgm:linClrLst>
+    <dgm:effectClrLst/>
+    <dgm:txLinClrLst/>
+    <dgm:txFillClrLst meth="repeat">
+      <a:schemeClr val="dk1"/>
+    </dgm:txFillClrLst>
+    <dgm:txEffectClrLst/>
+  </dgm:styleLbl>
+  <dgm:styleLbl name="asst1">
+    <dgm:fillClrLst meth="repeat">
+      <a:schemeClr val="lt1"/>
+    </dgm:fillClrLst>
+    <dgm:linClrLst meth="repeat">
+      <a:schemeClr val="accent6">
+        <a:shade val="80000"/>
+      </a:schemeClr>
+    </dgm:linClrLst>
+    <dgm:effectClrLst/>
+    <dgm:txLinClrLst/>
+    <dgm:txFillClrLst meth="repeat">
+      <a:schemeClr val="dk1"/>
+    </dgm:txFillClrLst>
+    <dgm:txEffectClrLst/>
+  </dgm:styleLbl>
+  <dgm:styleLbl name="asst2">
+    <dgm:fillClrLst meth="repeat">
+      <a:schemeClr val="lt1"/>
+    </dgm:fillClrLst>
+    <dgm:linClrLst meth="repeat">
+      <a:schemeClr val="accent6">
+        <a:shade val="80000"/>
+      </a:schemeClr>
+    </dgm:linClrLst>
+    <dgm:effectClrLst/>
+    <dgm:txLinClrLst/>
+    <dgm:txFillClrLst meth="repeat">
+      <a:schemeClr val="dk1"/>
+    </dgm:txFillClrLst>
+    <dgm:txEffectClrLst/>
+  </dgm:styleLbl>
+  <dgm:styleLbl name="asst3">
+    <dgm:fillClrLst meth="repeat">
+      <a:schemeClr val="lt1"/>
+    </dgm:fillClrLst>
+    <dgm:linClrLst meth="repeat">
+      <a:schemeClr val="accent6">
+        <a:shade val="80000"/>
+      </a:schemeClr>
+    </dgm:linClrLst>
+    <dgm:effectClrLst/>
+    <dgm:txLinClrLst/>
+    <dgm:txFillClrLst meth="repeat">
+      <a:schemeClr val="dk1"/>
+    </dgm:txFillClrLst>
+    <dgm:txEffectClrLst/>
+  </dgm:styleLbl>
+  <dgm:styleLbl name="asst4">
+    <dgm:fillClrLst meth="repeat">
+      <a:schemeClr val="lt1"/>
+    </dgm:fillClrLst>
+    <dgm:linClrLst meth="repeat">
+      <a:schemeClr val="accent6">
+        <a:shade val="80000"/>
+      </a:schemeClr>
+    </dgm:linClrLst>
+    <dgm:effectClrLst/>
+    <dgm:txLinClrLst/>
+    <dgm:txFillClrLst meth="repeat">
+      <a:schemeClr val="dk1"/>
+    </dgm:txFillClrLst>
+    <dgm:txEffectClrLst/>
+  </dgm:styleLbl>
+  <dgm:styleLbl name="parChTrans2D1">
+    <dgm:fillClrLst meth="repeat">
+      <a:schemeClr val="accent6">
+        <a:tint val="60000"/>
+      </a:schemeClr>
+    </dgm:fillClrLst>
+    <dgm:linClrLst meth="repeat">
+      <a:schemeClr val="accent6">
+        <a:tint val="60000"/>
+      </a:schemeClr>
+    </dgm:linClrLst>
+    <dgm:effectClrLst/>
+    <dgm:txLinClrLst/>
+    <dgm:txFillClrLst/>
+    <dgm:txEffectClrLst/>
+  </dgm:styleLbl>
+  <dgm:styleLbl name="parChTrans2D2">
+    <dgm:fillClrLst meth="repeat">
+      <a:schemeClr val="accent6"/>
+    </dgm:fillClrLst>
+    <dgm:linClrLst meth="repeat">
+      <a:schemeClr val="accent6"/>
+    </dgm:linClrLst>
+    <dgm:effectClrLst/>
+    <dgm:txLinClrLst/>
+    <dgm:txFillClrLst/>
+    <dgm:txEffectClrLst/>
+  </dgm:styleLbl>
+  <dgm:styleLbl name="parChTrans2D3">
+    <dgm:fillClrLst meth="repeat">
+      <a:schemeClr val="accent6"/>
+    </dgm:fillClrLst>
+    <dgm:linClrLst meth="repeat">
+      <a:schemeClr val="accent6"/>
+    </dgm:linClrLst>
+    <dgm:effectClrLst/>
+    <dgm:txLinClrLst/>
+    <dgm:txFillClrLst/>
+    <dgm:txEffectClrLst/>
+  </dgm:styleLbl>
+  <dgm:styleLbl name="parChTrans2D4">
+    <dgm:fillClrLst meth="repeat">
+      <a:schemeClr val="accent6"/>
+    </dgm:fillClrLst>
+    <dgm:linClrLst meth="repeat">
+      <a:schemeClr val="accent6"/>
+    </dgm:linClrLst>
+    <dgm:effectClrLst/>
+    <dgm:txLinClrLst/>
+    <dgm:txFillClrLst meth="repeat">
+      <a:schemeClr val="lt1"/>
+    </dgm:txFillClrLst>
+    <dgm:txEffectClrLst/>
+  </dgm:styleLbl>
+  <dgm:styleLbl name="parChTrans1D1">
+    <dgm:fillClrLst meth="repeat">
+      <a:schemeClr val="accent6"/>
+    </dgm:fillClrLst>
+    <dgm:linClrLst meth="repeat">
+      <a:schemeClr val="accent6">
+        <a:shade val="60000"/>
+      </a:schemeClr>
+    </dgm:linClrLst>
+    <dgm:effectClrLst/>
+    <dgm:txLinClrLst/>
+    <dgm:txFillClrLst meth="repeat">
+      <a:schemeClr val="tx1"/>
+    </dgm:txFillClrLst>
+    <dgm:txEffectClrLst/>
+  </dgm:styleLbl>
+  <dgm:styleLbl name="parChTrans1D2">
+    <dgm:fillClrLst meth="repeat">
+      <a:schemeClr val="accent6"/>
+    </dgm:fillClrLst>
+    <dgm:linClrLst meth="repeat">
+      <a:schemeClr val="accent6">
+        <a:shade val="60000"/>
+      </a:schemeClr>
+    </dgm:linClrLst>
+    <dgm:effectClrLst/>
+    <dgm:txLinClrLst/>
+    <dgm:txFillClrLst meth="repeat">
+      <a:schemeClr val="tx1"/>
+    </dgm:txFillClrLst>
+    <dgm:txEffectClrLst/>
+  </dgm:styleLbl>
+  <dgm:styleLbl name="parChTrans1D3">
+    <dgm:fillClrLst meth="repeat">
+      <a:schemeClr val="accent6"/>
+    </dgm:fillClrLst>
+    <dgm:linClrLst meth="repeat">
+      <a:schemeClr val="accent6">
+        <a:shade val="80000"/>
+      </a:schemeClr>
+    </dgm:linClrLst>
+    <dgm:effectClrLst/>
+    <dgm:txLinClrLst/>
+    <dgm:txFillClrLst meth="repeat">
+      <a:schemeClr val="tx1"/>
+    </dgm:txFillClrLst>
+    <dgm:txEffectClrLst/>
+  </dgm:styleLbl>
+  <dgm:styleLbl name="parChTrans1D4">
+    <dgm:fillClrLst meth="repeat">
+      <a:schemeClr val="accent6"/>
+    </dgm:fillClrLst>
+    <dgm:linClrLst meth="repeat">
+      <a:schemeClr val="accent6">
+        <a:shade val="80000"/>
+      </a:schemeClr>
+    </dgm:linClrLst>
+    <dgm:effectClrLst/>
+    <dgm:txLinClrLst/>
+    <dgm:txFillClrLst meth="repeat">
+      <a:schemeClr val="tx1"/>
+    </dgm:txFillClrLst>
+    <dgm:txEffectClrLst/>
+  </dgm:styleLbl>
+  <dgm:styleLbl name="fgAcc1">
+    <dgm:fillClrLst meth="repeat">
+      <a:schemeClr val="accent6">
+        <a:alpha val="90000"/>
+        <a:tint val="40000"/>
+      </a:schemeClr>
+    </dgm:fillClrLst>
+    <dgm:linClrLst meth="repeat">
+      <a:schemeClr val="accent6"/>
+    </dgm:linClrLst>
+    <dgm:effectClrLst/>
+    <dgm:txLinClrLst/>
+    <dgm:txFillClrLst meth="repeat">
+      <a:schemeClr val="dk1"/>
+    </dgm:txFillClrLst>
+    <dgm:txEffectClrLst/>
+  </dgm:styleLbl>
+  <dgm:styleLbl name="conFgAcc1">
+    <dgm:fillClrLst meth="repeat">
+      <a:schemeClr val="accent6">
+        <a:alpha val="90000"/>
+        <a:tint val="40000"/>
+      </a:schemeClr>
+    </dgm:fillClrLst>
+    <dgm:linClrLst meth="repeat">
+      <a:schemeClr val="accent6"/>
+    </dgm:linClrLst>
+    <dgm:effectClrLst/>
+    <dgm:txLinClrLst/>
+    <dgm:txFillClrLst meth="repeat">
+      <a:schemeClr val="dk1"/>
+    </dgm:txFillClrLst>
+    <dgm:txEffectClrLst/>
+  </dgm:styleLbl>
+  <dgm:styleLbl name="alignAcc1">
+    <dgm:fillClrLst meth="repeat">
+      <a:schemeClr val="accent6">
+        <a:alpha val="90000"/>
+        <a:tint val="40000"/>
+      </a:schemeClr>
+    </dgm:fillClrLst>
+    <dgm:linClrLst meth="repeat">
+      <a:schemeClr val="accent6"/>
+    </dgm:linClrLst>
+    <dgm:effectClrLst/>
+    <dgm:txLinClrLst/>
+    <dgm:txFillClrLst meth="repeat">
+      <a:schemeClr val="dk1"/>
+    </dgm:txFillClrLst>
+    <dgm:txEffectClrLst/>
+  </dgm:styleLbl>
+  <dgm:styleLbl name="trAlignAcc1">
+    <dgm:fillClrLst meth="repeat">
+      <a:schemeClr val="accent6">
+        <a:alpha val="40000"/>
+        <a:tint val="40000"/>
+      </a:schemeClr>
+    </dgm:fillClrLst>
+    <dgm:linClrLst meth="repeat">
+      <a:schemeClr val="accent6"/>
+    </dgm:linClrLst>
+    <dgm:effectClrLst/>
+    <dgm:txLinClrLst/>
+    <dgm:txFillClrLst meth="repeat">
+      <a:schemeClr val="dk1"/>
+    </dgm:txFillClrLst>
+    <dgm:txEffectClrLst/>
+  </dgm:styleLbl>
+  <dgm:styleLbl name="bgAcc1">
+    <dgm:fillClrLst meth="repeat">
+      <a:schemeClr val="accent6">
+        <a:alpha val="90000"/>
+        <a:tint val="40000"/>
+      </a:schemeClr>
+    </dgm:fillClrLst>
+    <dgm:linClrLst meth="repeat">
+      <a:schemeClr val="accent6"/>
+    </dgm:linClrLst>
+    <dgm:effectClrLst/>
+    <dgm:txLinClrLst/>
+    <dgm:txFillClrLst meth="repeat">
+      <a:schemeClr val="dk1"/>
+    </dgm:txFillClrLst>
+    <dgm:txEffectClrLst/>
+  </dgm:styleLbl>
+  <dgm:styleLbl name="solidFgAcc1">
+    <dgm:fillClrLst meth="repeat">
+      <a:schemeClr val="lt1"/>
+    </dgm:fillClrLst>
+    <dgm:linClrLst meth="repeat">
+      <a:schemeClr val="accent6"/>
+    </dgm:linClrLst>
+    <dgm:effectClrLst/>
+    <dgm:txLinClrLst/>
+    <dgm:txFillClrLst meth="repeat">
+      <a:schemeClr val="dk1"/>
+    </dgm:txFillClrLst>
+    <dgm:txEffectClrLst/>
+  </dgm:styleLbl>
+  <dgm:styleLbl name="solidAlignAcc1">
+    <dgm:fillClrLst meth="repeat">
+      <a:schemeClr val="lt1"/>
+    </dgm:fillClrLst>
+    <dgm:linClrLst meth="repeat">
+      <a:schemeClr val="accent6"/>
+    </dgm:linClrLst>
+    <dgm:effectClrLst/>
+    <dgm:txLinClrLst/>
+    <dgm:txFillClrLst meth="repeat">
+      <a:schemeClr val="dk1"/>
+    </dgm:txFillClrLst>
+    <dgm:txEffectClrLst/>
+  </dgm:styleLbl>
+  <dgm:styleLbl name="solidBgAcc1">
+    <dgm:fillClrLst meth="repeat">
+      <a:schemeClr val="lt1"/>
+    </dgm:fillClrLst>
+    <dgm:linClrLst meth="repeat">
+      <a:schemeClr val="accent6"/>
+    </dgm:linClrLst>
+    <dgm:effectClrLst/>
+    <dgm:txLinClrLst/>
+    <dgm:txFillClrLst meth="repeat">
+      <a:schemeClr val="dk1"/>
+    </dgm:txFillClrLst>
+    <dgm:txEffectClrLst/>
+  </dgm:styleLbl>
+  <dgm:styleLbl name="fgAccFollowNode1">
+    <dgm:fillClrLst meth="repeat">
+      <a:schemeClr val="lt1">
+        <a:alpha val="90000"/>
+        <a:tint val="40000"/>
+      </a:schemeClr>
+    </dgm:fillClrLst>
+    <dgm:linClrLst meth="repeat">
+      <a:schemeClr val="accent6">
+        <a:alpha val="90000"/>
+      </a:schemeClr>
+    </dgm:linClrLst>
+    <dgm:effectClrLst/>
+    <dgm:txLinClrLst/>
+    <dgm:txFillClrLst meth="repeat">
+      <a:schemeClr val="dk1"/>
+    </dgm:txFillClrLst>
+    <dgm:txEffectClrLst/>
+  </dgm:styleLbl>
+  <dgm:styleLbl name="alignAccFollowNode1">
+    <dgm:fillClrLst meth="repeat">
+      <a:schemeClr val="lt1">
+        <a:alpha val="90000"/>
+        <a:tint val="40000"/>
+      </a:schemeClr>
+    </dgm:fillClrLst>
+    <dgm:linClrLst meth="repeat">
+      <a:schemeClr val="accent6">
+        <a:alpha val="90000"/>
+      </a:schemeClr>
+    </dgm:linClrLst>
+    <dgm:effectClrLst/>
+    <dgm:txLinClrLst/>
+    <dgm:txFillClrLst meth="repeat">
+      <a:schemeClr val="dk1"/>
+    </dgm:txFillClrLst>
+    <dgm:txEffectClrLst/>
+  </dgm:styleLbl>
+  <dgm:styleLbl name="bgAccFollowNode1">
+    <dgm:fillClrLst meth="repeat">
+      <a:schemeClr val="lt1">
+        <a:alpha val="90000"/>
+        <a:tint val="40000"/>
+      </a:schemeClr>
+    </dgm:fillClrLst>
+    <dgm:linClrLst meth="repeat">
+      <a:schemeClr val="accent6">
+        <a:alpha val="90000"/>
+      </a:schemeClr>
+    </dgm:linClrLst>
+    <dgm:effectClrLst/>
+    <dgm:txLinClrLst/>
+    <dgm:txFillClrLst meth="repeat">
+      <a:schemeClr val="dk1"/>
+    </dgm:txFillClrLst>
+    <dgm:txEffectClrLst/>
+  </dgm:styleLbl>
+  <dgm:styleLbl name="fgAcc0">
+    <dgm:fillClrLst meth="repeat">
+      <a:schemeClr val="accent6">
+        <a:alpha val="90000"/>
+        <a:tint val="40000"/>
+      </a:schemeClr>
+    </dgm:fillClrLst>
+    <dgm:linClrLst meth="repeat">
+      <a:schemeClr val="accent6"/>
+    </dgm:linClrLst>
+    <dgm:effectClrLst/>
+    <dgm:txLinClrLst/>
+    <dgm:txFillClrLst meth="repeat">
+      <a:schemeClr val="dk1"/>
+    </dgm:txFillClrLst>
+    <dgm:txEffectClrLst/>
+  </dgm:styleLbl>
+  <dgm:styleLbl name="fgAcc2">
+    <dgm:fillClrLst meth="repeat">
+      <a:schemeClr val="accent6">
+        <a:alpha val="90000"/>
+        <a:tint val="40000"/>
+      </a:schemeClr>
+    </dgm:fillClrLst>
+    <dgm:linClrLst meth="repeat">
+      <a:schemeClr val="accent6"/>
+    </dgm:linClrLst>
+    <dgm:effectClrLst/>
+    <dgm:txLinClrLst/>
+    <dgm:txFillClrLst meth="repeat">
+      <a:schemeClr val="dk1"/>
+    </dgm:txFillClrLst>
+    <dgm:txEffectClrLst/>
+  </dgm:styleLbl>
+  <dgm:styleLbl name="fgAcc3">
+    <dgm:fillClrLst meth="repeat">
+      <a:schemeClr val="accent6">
+        <a:alpha val="90000"/>
+        <a:tint val="40000"/>
+      </a:schemeClr>
+    </dgm:fillClrLst>
+    <dgm:linClrLst meth="repeat">
+      <a:schemeClr val="accent6"/>
+    </dgm:linClrLst>
+    <dgm:effectClrLst/>
+    <dgm:txLinClrLst/>
+    <dgm:txFillClrLst meth="repeat">
+      <a:schemeClr val="dk1"/>
+    </dgm:txFillClrLst>
+    <dgm:txEffectClrLst/>
+  </dgm:styleLbl>
+  <dgm:styleLbl name="fgAcc4">
+    <dgm:fillClrLst meth="repeat">
+      <a:schemeClr val="accent6">
+        <a:alpha val="90000"/>
+        <a:tint val="40000"/>
+      </a:schemeClr>
+    </dgm:fillClrLst>
+    <dgm:linClrLst meth="repeat">
+      <a:schemeClr val="accent6"/>
+    </dgm:linClrLst>
+    <dgm:effectClrLst/>
+    <dgm:txLinClrLst/>
+    <dgm:txFillClrLst meth="repeat">
+      <a:schemeClr val="dk1"/>
+    </dgm:txFillClrLst>
+    <dgm:txEffectClrLst/>
+  </dgm:styleLbl>
+  <dgm:styleLbl name="bgShp">
+    <dgm:fillClrLst meth="repeat">
+      <a:schemeClr val="accent6">
+        <a:tint val="40000"/>
+      </a:schemeClr>
+    </dgm:fillClrLst>
+    <dgm:linClrLst meth="repeat">
+      <a:schemeClr val="accent6"/>
+    </dgm:linClrLst>
+    <dgm:effectClrLst/>
+    <dgm:txLinClrLst/>
+    <dgm:txFillClrLst meth="repeat">
+      <a:schemeClr val="dk1"/>
+    </dgm:txFillClrLst>
+    <dgm:txEffectClrLst/>
+  </dgm:styleLbl>
+  <dgm:styleLbl name="dkBgShp">
+    <dgm:fillClrLst meth="repeat">
+      <a:schemeClr val="accent6">
+        <a:shade val="80000"/>
+      </a:schemeClr>
+    </dgm:fillClrLst>
+    <dgm:linClrLst meth="repeat">
+      <a:schemeClr val="accent6"/>
+    </dgm:linClrLst>
+    <dgm:effectClrLst/>
+    <dgm:txLinClrLst/>
+    <dgm:txFillClrLst meth="repeat">
+      <a:schemeClr val="lt1"/>
+    </dgm:txFillClrLst>
+    <dgm:txEffectClrLst/>
+  </dgm:styleLbl>
+  <dgm:styleLbl name="trBgShp">
+    <dgm:fillClrLst meth="repeat">
+      <a:schemeClr val="accent6">
+        <a:tint val="50000"/>
+        <a:alpha val="40000"/>
+      </a:schemeClr>
+    </dgm:fillClrLst>
+    <dgm:linClrLst meth="repeat">
+      <a:schemeClr val="accent6"/>
+    </dgm:linClrLst>
+    <dgm:effectClrLst/>
+    <dgm:txLinClrLst/>
+    <dgm:txFillClrLst meth="repeat">
+      <a:schemeClr val="lt1"/>
+    </dgm:txFillClrLst>
+    <dgm:txEffectClrLst/>
+  </dgm:styleLbl>
+  <dgm:styleLbl name="fgShp">
+    <dgm:fillClrLst meth="repeat">
+      <a:schemeClr val="accent6">
+        <a:tint val="60000"/>
+      </a:schemeClr>
+    </dgm:fillClrLst>
+    <dgm:linClrLst meth="repeat">
+      <a:schemeClr val="lt1"/>
+    </dgm:linClrLst>
+    <dgm:effectClrLst/>
+    <dgm:txLinClrLst/>
+    <dgm:txFillClrLst meth="repeat">
+      <a:schemeClr val="dk1"/>
+    </dgm:txFillClrLst>
+    <dgm:txEffectClrLst/>
+  </dgm:styleLbl>
+  <dgm:styleLbl name="revTx">
+    <dgm:fillClrLst meth="repeat">
+      <a:schemeClr val="lt1">
+        <a:alpha val="0"/>
+      </a:schemeClr>
+    </dgm:fillClrLst>
+    <dgm:linClrLst meth="repeat">
+      <a:schemeClr val="dk1">
+        <a:alpha val="0"/>
+      </a:schemeClr>
+    </dgm:linClrLst>
+    <dgm:effectClrLst/>
+    <dgm:txLinClrLst/>
+    <dgm:txFillClrLst meth="repeat">
+      <a:schemeClr val="tx1"/>
+    </dgm:txFillClrLst>
+    <dgm:txEffectClrLst/>
+  </dgm:styleLbl>
+</dgm:colorsDef>
+</file>
+
+<file path=ppt/diagrams/data1.xml><?xml version="1.0" encoding="utf-8"?>
+<dgm:dataModel xmlns:dgm="http://schemas.openxmlformats.org/drawingml/2006/diagram" xmlns:a="http://schemas.openxmlformats.org/drawingml/2006/main">
+  <dgm:ptLst>
+    <dgm:pt modelId="{3B0FA5CC-3747-48F0-B725-F0CB7EA49075}" type="doc">
+      <dgm:prSet loTypeId="urn:microsoft.com/office/officeart/2005/8/layout/list1" loCatId="list" qsTypeId="urn:microsoft.com/office/officeart/2005/8/quickstyle/simple2" qsCatId="simple" csTypeId="urn:microsoft.com/office/officeart/2005/8/colors/accent6_1" csCatId="accent6" phldr="1"/>
+      <dgm:spPr/>
+      <dgm:t>
+        <a:bodyPr/>
+        <a:lstStyle/>
+        <a:p>
+          <a:endParaRPr lang="en-US"/>
+        </a:p>
+      </dgm:t>
+    </dgm:pt>
+    <dgm:pt modelId="{4C29DF2F-3762-4DE9-945B-FFFA991E6FE8}">
+      <dgm:prSet phldrT="[Text]"/>
+      <dgm:spPr/>
+      <dgm:t>
+        <a:bodyPr/>
+        <a:lstStyle/>
+        <a:p>
+          <a:r>
+            <a:rPr lang="en-US" dirty="0"/>
+            <a:t>What is Authentication</a:t>
+          </a:r>
+        </a:p>
+      </dgm:t>
+    </dgm:pt>
+    <dgm:pt modelId="{D4661AA1-508B-428A-B2C1-F38C79754AFE}" type="parTrans" cxnId="{02E85A7D-B1F3-43D5-AFA6-E07297FD4855}">
+      <dgm:prSet/>
+      <dgm:spPr/>
+      <dgm:t>
+        <a:bodyPr/>
+        <a:lstStyle/>
+        <a:p>
+          <a:endParaRPr lang="en-US"/>
+        </a:p>
+      </dgm:t>
+    </dgm:pt>
+    <dgm:pt modelId="{B5A49123-FFBB-41B4-8991-DBE17363CDDB}" type="sibTrans" cxnId="{02E85A7D-B1F3-43D5-AFA6-E07297FD4855}">
+      <dgm:prSet/>
+      <dgm:spPr/>
+      <dgm:t>
+        <a:bodyPr/>
+        <a:lstStyle/>
+        <a:p>
+          <a:endParaRPr lang="en-US"/>
+        </a:p>
+      </dgm:t>
+    </dgm:pt>
+    <dgm:pt modelId="{22574020-8A37-43E1-8EAA-B4C92E63525A}">
+      <dgm:prSet phldrT="[Text]"/>
+      <dgm:spPr/>
+      <dgm:t>
+        <a:bodyPr/>
+        <a:lstStyle/>
+        <a:p>
+          <a:r>
+            <a:rPr lang="en-US" dirty="0"/>
+            <a:t>Problems in Authentication</a:t>
+          </a:r>
+        </a:p>
+      </dgm:t>
+    </dgm:pt>
+    <dgm:pt modelId="{902788BC-0E3F-4254-81E6-5FE640169383}" type="parTrans" cxnId="{47BEBB0E-9CBE-4E45-9874-2A073B7138D2}">
+      <dgm:prSet/>
+      <dgm:spPr/>
+      <dgm:t>
+        <a:bodyPr/>
+        <a:lstStyle/>
+        <a:p>
+          <a:endParaRPr lang="en-US"/>
+        </a:p>
+      </dgm:t>
+    </dgm:pt>
+    <dgm:pt modelId="{3AC6C600-27E3-479D-8E36-61E919D99596}" type="sibTrans" cxnId="{47BEBB0E-9CBE-4E45-9874-2A073B7138D2}">
+      <dgm:prSet/>
+      <dgm:spPr/>
+      <dgm:t>
+        <a:bodyPr/>
+        <a:lstStyle/>
+        <a:p>
+          <a:endParaRPr lang="en-US"/>
+        </a:p>
+      </dgm:t>
+    </dgm:pt>
+    <dgm:pt modelId="{22854222-B2DB-40ED-BBFF-BC74F1AF504E}">
+      <dgm:prSet phldrT="[Text]"/>
+      <dgm:spPr/>
+      <dgm:t>
+        <a:bodyPr/>
+        <a:lstStyle/>
+        <a:p>
+          <a:r>
+            <a:rPr lang="en-US" dirty="0"/>
+            <a:t>Live Demo</a:t>
+          </a:r>
+        </a:p>
+      </dgm:t>
+    </dgm:pt>
+    <dgm:pt modelId="{1884387D-2C02-4155-94EB-92E5D7C5EAF6}" type="parTrans" cxnId="{2E378DD6-21AB-47AF-93B2-A6BADACF2F55}">
+      <dgm:prSet/>
+      <dgm:spPr/>
+      <dgm:t>
+        <a:bodyPr/>
+        <a:lstStyle/>
+        <a:p>
+          <a:endParaRPr lang="en-US"/>
+        </a:p>
+      </dgm:t>
+    </dgm:pt>
+    <dgm:pt modelId="{1AF90AD7-1359-45F0-83C1-5CA4225ACB75}" type="sibTrans" cxnId="{2E378DD6-21AB-47AF-93B2-A6BADACF2F55}">
+      <dgm:prSet/>
+      <dgm:spPr/>
+      <dgm:t>
+        <a:bodyPr/>
+        <a:lstStyle/>
+        <a:p>
+          <a:endParaRPr lang="en-US"/>
+        </a:p>
+      </dgm:t>
+    </dgm:pt>
+    <dgm:pt modelId="{5CA6C547-FF24-4CDA-BDDA-89BC92778863}">
+      <dgm:prSet phldrT="[Text]"/>
+      <dgm:spPr/>
+      <dgm:t>
+        <a:bodyPr/>
+        <a:lstStyle/>
+        <a:p>
+          <a:r>
+            <a:rPr lang="en-US" dirty="0"/>
+            <a:t>The Solution - Hashing</a:t>
+          </a:r>
+        </a:p>
+      </dgm:t>
+    </dgm:pt>
+    <dgm:pt modelId="{1170052E-BC96-40BA-A4C5-E142417B6EDD}" type="parTrans" cxnId="{3E392AA6-EFEE-4A13-8494-B36C450F619E}">
+      <dgm:prSet/>
+      <dgm:spPr/>
+      <dgm:t>
+        <a:bodyPr/>
+        <a:lstStyle/>
+        <a:p>
+          <a:endParaRPr lang="en-US"/>
+        </a:p>
+      </dgm:t>
+    </dgm:pt>
+    <dgm:pt modelId="{7624526A-B24B-4C77-A42C-D20ECCBD005E}" type="sibTrans" cxnId="{3E392AA6-EFEE-4A13-8494-B36C450F619E}">
+      <dgm:prSet/>
+      <dgm:spPr/>
+      <dgm:t>
+        <a:bodyPr/>
+        <a:lstStyle/>
+        <a:p>
+          <a:endParaRPr lang="en-US"/>
+        </a:p>
+      </dgm:t>
+    </dgm:pt>
+    <dgm:pt modelId="{7E88CC9F-EBC5-4ABA-B62F-1ED216227487}" type="pres">
+      <dgm:prSet presAssocID="{3B0FA5CC-3747-48F0-B725-F0CB7EA49075}" presName="linear" presStyleCnt="0">
+        <dgm:presLayoutVars>
+          <dgm:dir/>
+          <dgm:animLvl val="lvl"/>
+          <dgm:resizeHandles val="exact"/>
+        </dgm:presLayoutVars>
+      </dgm:prSet>
+      <dgm:spPr/>
+    </dgm:pt>
+    <dgm:pt modelId="{8B28FB06-B858-4EE0-96B1-B69F6B630B71}" type="pres">
+      <dgm:prSet presAssocID="{4C29DF2F-3762-4DE9-945B-FFFA991E6FE8}" presName="parentLin" presStyleCnt="0"/>
+      <dgm:spPr/>
+    </dgm:pt>
+    <dgm:pt modelId="{A71513E8-25A7-43E8-8778-162D6F069267}" type="pres">
+      <dgm:prSet presAssocID="{4C29DF2F-3762-4DE9-945B-FFFA991E6FE8}" presName="parentLeftMargin" presStyleLbl="node1" presStyleIdx="0" presStyleCnt="4"/>
+      <dgm:spPr/>
+    </dgm:pt>
+    <dgm:pt modelId="{5197A258-CD1B-47CB-965E-C36EB0AA2288}" type="pres">
+      <dgm:prSet presAssocID="{4C29DF2F-3762-4DE9-945B-FFFA991E6FE8}" presName="parentText" presStyleLbl="node1" presStyleIdx="0" presStyleCnt="4">
+        <dgm:presLayoutVars>
+          <dgm:chMax val="0"/>
+          <dgm:bulletEnabled val="1"/>
+        </dgm:presLayoutVars>
+      </dgm:prSet>
+      <dgm:spPr/>
+    </dgm:pt>
+    <dgm:pt modelId="{598CCB27-282D-49CE-AC2F-818A9F0671BF}" type="pres">
+      <dgm:prSet presAssocID="{4C29DF2F-3762-4DE9-945B-FFFA991E6FE8}" presName="negativeSpace" presStyleCnt="0"/>
+      <dgm:spPr/>
+    </dgm:pt>
+    <dgm:pt modelId="{E2DBD859-1EE6-41D2-B078-07AD5888C465}" type="pres">
+      <dgm:prSet presAssocID="{4C29DF2F-3762-4DE9-945B-FFFA991E6FE8}" presName="childText" presStyleLbl="conFgAcc1" presStyleIdx="0" presStyleCnt="4">
+        <dgm:presLayoutVars>
+          <dgm:bulletEnabled val="1"/>
+        </dgm:presLayoutVars>
+      </dgm:prSet>
+      <dgm:spPr/>
+    </dgm:pt>
+    <dgm:pt modelId="{EA18E596-3B42-4B96-A4FB-5E1404315C7C}" type="pres">
+      <dgm:prSet presAssocID="{B5A49123-FFBB-41B4-8991-DBE17363CDDB}" presName="spaceBetweenRectangles" presStyleCnt="0"/>
+      <dgm:spPr/>
+    </dgm:pt>
+    <dgm:pt modelId="{909B07EB-37F7-48F9-B41D-D2F3D46DFA78}" type="pres">
+      <dgm:prSet presAssocID="{22574020-8A37-43E1-8EAA-B4C92E63525A}" presName="parentLin" presStyleCnt="0"/>
+      <dgm:spPr/>
+    </dgm:pt>
+    <dgm:pt modelId="{1EA016A9-3D73-4106-8EF7-7B519BFCAF5A}" type="pres">
+      <dgm:prSet presAssocID="{22574020-8A37-43E1-8EAA-B4C92E63525A}" presName="parentLeftMargin" presStyleLbl="node1" presStyleIdx="0" presStyleCnt="4"/>
+      <dgm:spPr/>
+    </dgm:pt>
+    <dgm:pt modelId="{3C2F36CE-D734-4657-BA16-5D694137535D}" type="pres">
+      <dgm:prSet presAssocID="{22574020-8A37-43E1-8EAA-B4C92E63525A}" presName="parentText" presStyleLbl="node1" presStyleIdx="1" presStyleCnt="4">
+        <dgm:presLayoutVars>
+          <dgm:chMax val="0"/>
+          <dgm:bulletEnabled val="1"/>
+        </dgm:presLayoutVars>
+      </dgm:prSet>
+      <dgm:spPr/>
+    </dgm:pt>
+    <dgm:pt modelId="{853CD9F8-224E-47EC-B02A-6477D499E2F6}" type="pres">
+      <dgm:prSet presAssocID="{22574020-8A37-43E1-8EAA-B4C92E63525A}" presName="negativeSpace" presStyleCnt="0"/>
+      <dgm:spPr/>
+    </dgm:pt>
+    <dgm:pt modelId="{81E8774A-B85E-4E68-95B2-C7AFAD66CCDA}" type="pres">
+      <dgm:prSet presAssocID="{22574020-8A37-43E1-8EAA-B4C92E63525A}" presName="childText" presStyleLbl="conFgAcc1" presStyleIdx="1" presStyleCnt="4">
+        <dgm:presLayoutVars>
+          <dgm:bulletEnabled val="1"/>
+        </dgm:presLayoutVars>
+      </dgm:prSet>
+      <dgm:spPr/>
+    </dgm:pt>
+    <dgm:pt modelId="{DBF80216-31B7-40E0-BFD6-3D4BCD4BB394}" type="pres">
+      <dgm:prSet presAssocID="{3AC6C600-27E3-479D-8E36-61E919D99596}" presName="spaceBetweenRectangles" presStyleCnt="0"/>
+      <dgm:spPr/>
+    </dgm:pt>
+    <dgm:pt modelId="{D053376E-AAFC-425F-B53C-6A885471830B}" type="pres">
+      <dgm:prSet presAssocID="{5CA6C547-FF24-4CDA-BDDA-89BC92778863}" presName="parentLin" presStyleCnt="0"/>
+      <dgm:spPr/>
+    </dgm:pt>
+    <dgm:pt modelId="{2B30E674-206E-421D-B3AC-994FBB8A7ED9}" type="pres">
+      <dgm:prSet presAssocID="{5CA6C547-FF24-4CDA-BDDA-89BC92778863}" presName="parentLeftMargin" presStyleLbl="node1" presStyleIdx="1" presStyleCnt="4"/>
+      <dgm:spPr/>
+    </dgm:pt>
+    <dgm:pt modelId="{6BF087EA-5B0A-4D4F-9C57-C7959C74858D}" type="pres">
+      <dgm:prSet presAssocID="{5CA6C547-FF24-4CDA-BDDA-89BC92778863}" presName="parentText" presStyleLbl="node1" presStyleIdx="2" presStyleCnt="4">
+        <dgm:presLayoutVars>
+          <dgm:chMax val="0"/>
+          <dgm:bulletEnabled val="1"/>
+        </dgm:presLayoutVars>
+      </dgm:prSet>
+      <dgm:spPr/>
+    </dgm:pt>
+    <dgm:pt modelId="{5E39DB10-07DD-4359-82A6-4E56D049681F}" type="pres">
+      <dgm:prSet presAssocID="{5CA6C547-FF24-4CDA-BDDA-89BC92778863}" presName="negativeSpace" presStyleCnt="0"/>
+      <dgm:spPr/>
+    </dgm:pt>
+    <dgm:pt modelId="{F849CF97-0867-4443-BE34-6A824034FDDB}" type="pres">
+      <dgm:prSet presAssocID="{5CA6C547-FF24-4CDA-BDDA-89BC92778863}" presName="childText" presStyleLbl="conFgAcc1" presStyleIdx="2" presStyleCnt="4">
+        <dgm:presLayoutVars>
+          <dgm:bulletEnabled val="1"/>
+        </dgm:presLayoutVars>
+      </dgm:prSet>
+      <dgm:spPr/>
+    </dgm:pt>
+    <dgm:pt modelId="{F56A0F75-0D98-416E-8FEF-74D4A0AE478D}" type="pres">
+      <dgm:prSet presAssocID="{7624526A-B24B-4C77-A42C-D20ECCBD005E}" presName="spaceBetweenRectangles" presStyleCnt="0"/>
+      <dgm:spPr/>
+    </dgm:pt>
+    <dgm:pt modelId="{51F5DA0A-993D-4201-B17F-3484624BEC7C}" type="pres">
+      <dgm:prSet presAssocID="{22854222-B2DB-40ED-BBFF-BC74F1AF504E}" presName="parentLin" presStyleCnt="0"/>
+      <dgm:spPr/>
+    </dgm:pt>
+    <dgm:pt modelId="{A60E9DD3-3A08-4E85-AB97-6ADFB904C6FA}" type="pres">
+      <dgm:prSet presAssocID="{22854222-B2DB-40ED-BBFF-BC74F1AF504E}" presName="parentLeftMargin" presStyleLbl="node1" presStyleIdx="2" presStyleCnt="4"/>
+      <dgm:spPr/>
+    </dgm:pt>
+    <dgm:pt modelId="{2B74785F-4A95-4A14-92FF-A20908565074}" type="pres">
+      <dgm:prSet presAssocID="{22854222-B2DB-40ED-BBFF-BC74F1AF504E}" presName="parentText" presStyleLbl="node1" presStyleIdx="3" presStyleCnt="4">
+        <dgm:presLayoutVars>
+          <dgm:chMax val="0"/>
+          <dgm:bulletEnabled val="1"/>
+        </dgm:presLayoutVars>
+      </dgm:prSet>
+      <dgm:spPr/>
+    </dgm:pt>
+    <dgm:pt modelId="{04839BC5-9729-441D-8B69-9040240AD88B}" type="pres">
+      <dgm:prSet presAssocID="{22854222-B2DB-40ED-BBFF-BC74F1AF504E}" presName="negativeSpace" presStyleCnt="0"/>
+      <dgm:spPr/>
+    </dgm:pt>
+    <dgm:pt modelId="{D98D6192-2F7B-4DA3-ABE9-938B036589BF}" type="pres">
+      <dgm:prSet presAssocID="{22854222-B2DB-40ED-BBFF-BC74F1AF504E}" presName="childText" presStyleLbl="conFgAcc1" presStyleIdx="3" presStyleCnt="4">
+        <dgm:presLayoutVars>
+          <dgm:bulletEnabled val="1"/>
+        </dgm:presLayoutVars>
+      </dgm:prSet>
+      <dgm:spPr/>
+    </dgm:pt>
+  </dgm:ptLst>
+  <dgm:cxnLst>
+    <dgm:cxn modelId="{A34F5604-A319-4756-836E-1D7BE1C71DED}" type="presOf" srcId="{22854222-B2DB-40ED-BBFF-BC74F1AF504E}" destId="{A60E9DD3-3A08-4E85-AB97-6ADFB904C6FA}" srcOrd="0" destOrd="0" presId="urn:microsoft.com/office/officeart/2005/8/layout/list1"/>
+    <dgm:cxn modelId="{47BEBB0E-9CBE-4E45-9874-2A073B7138D2}" srcId="{3B0FA5CC-3747-48F0-B725-F0CB7EA49075}" destId="{22574020-8A37-43E1-8EAA-B4C92E63525A}" srcOrd="1" destOrd="0" parTransId="{902788BC-0E3F-4254-81E6-5FE640169383}" sibTransId="{3AC6C600-27E3-479D-8E36-61E919D99596}"/>
+    <dgm:cxn modelId="{02E85A7D-B1F3-43D5-AFA6-E07297FD4855}" srcId="{3B0FA5CC-3747-48F0-B725-F0CB7EA49075}" destId="{4C29DF2F-3762-4DE9-945B-FFFA991E6FE8}" srcOrd="0" destOrd="0" parTransId="{D4661AA1-508B-428A-B2C1-F38C79754AFE}" sibTransId="{B5A49123-FFBB-41B4-8991-DBE17363CDDB}"/>
+    <dgm:cxn modelId="{14BAB69E-9F2A-418B-AF53-5B236A319A06}" type="presOf" srcId="{3B0FA5CC-3747-48F0-B725-F0CB7EA49075}" destId="{7E88CC9F-EBC5-4ABA-B62F-1ED216227487}" srcOrd="0" destOrd="0" presId="urn:microsoft.com/office/officeart/2005/8/layout/list1"/>
+    <dgm:cxn modelId="{3E392AA6-EFEE-4A13-8494-B36C450F619E}" srcId="{3B0FA5CC-3747-48F0-B725-F0CB7EA49075}" destId="{5CA6C547-FF24-4CDA-BDDA-89BC92778863}" srcOrd="2" destOrd="0" parTransId="{1170052E-BC96-40BA-A4C5-E142417B6EDD}" sibTransId="{7624526A-B24B-4C77-A42C-D20ECCBD005E}"/>
+    <dgm:cxn modelId="{4C7D0EB0-643B-469C-BD55-48A5D47EE41F}" type="presOf" srcId="{22574020-8A37-43E1-8EAA-B4C92E63525A}" destId="{1EA016A9-3D73-4106-8EF7-7B519BFCAF5A}" srcOrd="0" destOrd="0" presId="urn:microsoft.com/office/officeart/2005/8/layout/list1"/>
+    <dgm:cxn modelId="{B928FFC0-48B2-44C1-A3E8-F1F79D565A67}" type="presOf" srcId="{22854222-B2DB-40ED-BBFF-BC74F1AF504E}" destId="{2B74785F-4A95-4A14-92FF-A20908565074}" srcOrd="1" destOrd="0" presId="urn:microsoft.com/office/officeart/2005/8/layout/list1"/>
+    <dgm:cxn modelId="{911D42CB-54EA-427D-B6F0-644C406783BD}" type="presOf" srcId="{5CA6C547-FF24-4CDA-BDDA-89BC92778863}" destId="{2B30E674-206E-421D-B3AC-994FBB8A7ED9}" srcOrd="0" destOrd="0" presId="urn:microsoft.com/office/officeart/2005/8/layout/list1"/>
+    <dgm:cxn modelId="{2E378DD6-21AB-47AF-93B2-A6BADACF2F55}" srcId="{3B0FA5CC-3747-48F0-B725-F0CB7EA49075}" destId="{22854222-B2DB-40ED-BBFF-BC74F1AF504E}" srcOrd="3" destOrd="0" parTransId="{1884387D-2C02-4155-94EB-92E5D7C5EAF6}" sibTransId="{1AF90AD7-1359-45F0-83C1-5CA4225ACB75}"/>
+    <dgm:cxn modelId="{C9E181DB-AF37-4407-B54E-C778EFDE3905}" type="presOf" srcId="{5CA6C547-FF24-4CDA-BDDA-89BC92778863}" destId="{6BF087EA-5B0A-4D4F-9C57-C7959C74858D}" srcOrd="1" destOrd="0" presId="urn:microsoft.com/office/officeart/2005/8/layout/list1"/>
+    <dgm:cxn modelId="{D2E5F0DC-4F49-4CBA-9CF6-CE2302B191B7}" type="presOf" srcId="{22574020-8A37-43E1-8EAA-B4C92E63525A}" destId="{3C2F36CE-D734-4657-BA16-5D694137535D}" srcOrd="1" destOrd="0" presId="urn:microsoft.com/office/officeart/2005/8/layout/list1"/>
+    <dgm:cxn modelId="{D60AF3E2-7078-4DEA-8677-A3F0CC9F0285}" type="presOf" srcId="{4C29DF2F-3762-4DE9-945B-FFFA991E6FE8}" destId="{A71513E8-25A7-43E8-8778-162D6F069267}" srcOrd="0" destOrd="0" presId="urn:microsoft.com/office/officeart/2005/8/layout/list1"/>
+    <dgm:cxn modelId="{984E3DEE-9B1A-41E9-98FB-058A81962087}" type="presOf" srcId="{4C29DF2F-3762-4DE9-945B-FFFA991E6FE8}" destId="{5197A258-CD1B-47CB-965E-C36EB0AA2288}" srcOrd="1" destOrd="0" presId="urn:microsoft.com/office/officeart/2005/8/layout/list1"/>
+    <dgm:cxn modelId="{2F44E0C1-8004-4147-9812-06092D2F7ACC}" type="presParOf" srcId="{7E88CC9F-EBC5-4ABA-B62F-1ED216227487}" destId="{8B28FB06-B858-4EE0-96B1-B69F6B630B71}" srcOrd="0" destOrd="0" presId="urn:microsoft.com/office/officeart/2005/8/layout/list1"/>
+    <dgm:cxn modelId="{5BB0424B-9229-4058-9D06-388AEA49BA99}" type="presParOf" srcId="{8B28FB06-B858-4EE0-96B1-B69F6B630B71}" destId="{A71513E8-25A7-43E8-8778-162D6F069267}" srcOrd="0" destOrd="0" presId="urn:microsoft.com/office/officeart/2005/8/layout/list1"/>
+    <dgm:cxn modelId="{49A9F613-D7D5-4F0F-95FD-AAD7B1F11E7D}" type="presParOf" srcId="{8B28FB06-B858-4EE0-96B1-B69F6B630B71}" destId="{5197A258-CD1B-47CB-965E-C36EB0AA2288}" srcOrd="1" destOrd="0" presId="urn:microsoft.com/office/officeart/2005/8/layout/list1"/>
+    <dgm:cxn modelId="{6DBE0D52-317E-47E4-9AF3-FEFCD08F658A}" type="presParOf" srcId="{7E88CC9F-EBC5-4ABA-B62F-1ED216227487}" destId="{598CCB27-282D-49CE-AC2F-818A9F0671BF}" srcOrd="1" destOrd="0" presId="urn:microsoft.com/office/officeart/2005/8/layout/list1"/>
+    <dgm:cxn modelId="{F43EE529-7D6C-459B-83E5-AF3D3A4292D2}" type="presParOf" srcId="{7E88CC9F-EBC5-4ABA-B62F-1ED216227487}" destId="{E2DBD859-1EE6-41D2-B078-07AD5888C465}" srcOrd="2" destOrd="0" presId="urn:microsoft.com/office/officeart/2005/8/layout/list1"/>
+    <dgm:cxn modelId="{6DDF16D8-4444-4EC5-B9B9-10CEBB59C710}" type="presParOf" srcId="{7E88CC9F-EBC5-4ABA-B62F-1ED216227487}" destId="{EA18E596-3B42-4B96-A4FB-5E1404315C7C}" srcOrd="3" destOrd="0" presId="urn:microsoft.com/office/officeart/2005/8/layout/list1"/>
+    <dgm:cxn modelId="{8724D3EB-AE1F-4FD3-B8CD-0F19AC2692FB}" type="presParOf" srcId="{7E88CC9F-EBC5-4ABA-B62F-1ED216227487}" destId="{909B07EB-37F7-48F9-B41D-D2F3D46DFA78}" srcOrd="4" destOrd="0" presId="urn:microsoft.com/office/officeart/2005/8/layout/list1"/>
+    <dgm:cxn modelId="{69998B28-F642-490B-8513-3B2CC68A57FD}" type="presParOf" srcId="{909B07EB-37F7-48F9-B41D-D2F3D46DFA78}" destId="{1EA016A9-3D73-4106-8EF7-7B519BFCAF5A}" srcOrd="0" destOrd="0" presId="urn:microsoft.com/office/officeart/2005/8/layout/list1"/>
+    <dgm:cxn modelId="{8BE6825D-060C-480A-A4CF-EF66D374DA60}" type="presParOf" srcId="{909B07EB-37F7-48F9-B41D-D2F3D46DFA78}" destId="{3C2F36CE-D734-4657-BA16-5D694137535D}" srcOrd="1" destOrd="0" presId="urn:microsoft.com/office/officeart/2005/8/layout/list1"/>
+    <dgm:cxn modelId="{4689B80C-6732-42F1-BE47-F3972811EEE4}" type="presParOf" srcId="{7E88CC9F-EBC5-4ABA-B62F-1ED216227487}" destId="{853CD9F8-224E-47EC-B02A-6477D499E2F6}" srcOrd="5" destOrd="0" presId="urn:microsoft.com/office/officeart/2005/8/layout/list1"/>
+    <dgm:cxn modelId="{CC09165E-436F-4D1E-8AF4-A402B8097BA1}" type="presParOf" srcId="{7E88CC9F-EBC5-4ABA-B62F-1ED216227487}" destId="{81E8774A-B85E-4E68-95B2-C7AFAD66CCDA}" srcOrd="6" destOrd="0" presId="urn:microsoft.com/office/officeart/2005/8/layout/list1"/>
+    <dgm:cxn modelId="{B74AD7B1-E063-428D-86B6-630D1F88B41C}" type="presParOf" srcId="{7E88CC9F-EBC5-4ABA-B62F-1ED216227487}" destId="{DBF80216-31B7-40E0-BFD6-3D4BCD4BB394}" srcOrd="7" destOrd="0" presId="urn:microsoft.com/office/officeart/2005/8/layout/list1"/>
+    <dgm:cxn modelId="{A844928A-72A7-43CE-A7E6-45737BF4F00B}" type="presParOf" srcId="{7E88CC9F-EBC5-4ABA-B62F-1ED216227487}" destId="{D053376E-AAFC-425F-B53C-6A885471830B}" srcOrd="8" destOrd="0" presId="urn:microsoft.com/office/officeart/2005/8/layout/list1"/>
+    <dgm:cxn modelId="{E73AA5E9-9CB5-40C3-B2DD-79EC2C5BF37F}" type="presParOf" srcId="{D053376E-AAFC-425F-B53C-6A885471830B}" destId="{2B30E674-206E-421D-B3AC-994FBB8A7ED9}" srcOrd="0" destOrd="0" presId="urn:microsoft.com/office/officeart/2005/8/layout/list1"/>
+    <dgm:cxn modelId="{9D625040-534E-447D-9E63-8AD8E96B2FA6}" type="presParOf" srcId="{D053376E-AAFC-425F-B53C-6A885471830B}" destId="{6BF087EA-5B0A-4D4F-9C57-C7959C74858D}" srcOrd="1" destOrd="0" presId="urn:microsoft.com/office/officeart/2005/8/layout/list1"/>
+    <dgm:cxn modelId="{5850C67A-D721-44E1-A0F3-96BD9D2FB732}" type="presParOf" srcId="{7E88CC9F-EBC5-4ABA-B62F-1ED216227487}" destId="{5E39DB10-07DD-4359-82A6-4E56D049681F}" srcOrd="9" destOrd="0" presId="urn:microsoft.com/office/officeart/2005/8/layout/list1"/>
+    <dgm:cxn modelId="{064EADE1-4DBF-449D-B451-A1A74DD6BC2F}" type="presParOf" srcId="{7E88CC9F-EBC5-4ABA-B62F-1ED216227487}" destId="{F849CF97-0867-4443-BE34-6A824034FDDB}" srcOrd="10" destOrd="0" presId="urn:microsoft.com/office/officeart/2005/8/layout/list1"/>
+    <dgm:cxn modelId="{8A83C111-2F92-4B74-B8B4-855697150E66}" type="presParOf" srcId="{7E88CC9F-EBC5-4ABA-B62F-1ED216227487}" destId="{F56A0F75-0D98-416E-8FEF-74D4A0AE478D}" srcOrd="11" destOrd="0" presId="urn:microsoft.com/office/officeart/2005/8/layout/list1"/>
+    <dgm:cxn modelId="{BB6DF8A6-8CE3-46E9-8B00-A9E4DABDAAA1}" type="presParOf" srcId="{7E88CC9F-EBC5-4ABA-B62F-1ED216227487}" destId="{51F5DA0A-993D-4201-B17F-3484624BEC7C}" srcOrd="12" destOrd="0" presId="urn:microsoft.com/office/officeart/2005/8/layout/list1"/>
+    <dgm:cxn modelId="{50E8DE6F-DB2A-4A2F-A6D1-375B51B80157}" type="presParOf" srcId="{51F5DA0A-993D-4201-B17F-3484624BEC7C}" destId="{A60E9DD3-3A08-4E85-AB97-6ADFB904C6FA}" srcOrd="0" destOrd="0" presId="urn:microsoft.com/office/officeart/2005/8/layout/list1"/>
+    <dgm:cxn modelId="{D35EA441-7ECD-4271-B06E-C40C8595269F}" type="presParOf" srcId="{51F5DA0A-993D-4201-B17F-3484624BEC7C}" destId="{2B74785F-4A95-4A14-92FF-A20908565074}" srcOrd="1" destOrd="0" presId="urn:microsoft.com/office/officeart/2005/8/layout/list1"/>
+    <dgm:cxn modelId="{41AD411E-D543-49E3-89EF-B057AA3FD976}" type="presParOf" srcId="{7E88CC9F-EBC5-4ABA-B62F-1ED216227487}" destId="{04839BC5-9729-441D-8B69-9040240AD88B}" srcOrd="13" destOrd="0" presId="urn:microsoft.com/office/officeart/2005/8/layout/list1"/>
+    <dgm:cxn modelId="{0C87C114-EB1D-4D83-A7B2-9A9B10B8F8A1}" type="presParOf" srcId="{7E88CC9F-EBC5-4ABA-B62F-1ED216227487}" destId="{D98D6192-2F7B-4DA3-ABE9-938B036589BF}" srcOrd="14" destOrd="0" presId="urn:microsoft.com/office/officeart/2005/8/layout/list1"/>
+  </dgm:cxnLst>
+  <dgm:bg/>
+  <dgm:whole/>
+  <dgm:extLst>
+    <a:ext uri="http://schemas.microsoft.com/office/drawing/2008/diagram">
+      <dsp:dataModelExt xmlns:dsp="http://schemas.microsoft.com/office/drawing/2008/diagram" relId="rId6" minVer="http://schemas.openxmlformats.org/drawingml/2006/diagram"/>
+    </a:ext>
+  </dgm:extLst>
+</dgm:dataModel>
+</file>
+
+<file path=ppt/diagrams/drawing1.xml><?xml version="1.0" encoding="utf-8"?>
+<dsp:drawing xmlns:dgm="http://schemas.openxmlformats.org/drawingml/2006/diagram" xmlns:dsp="http://schemas.microsoft.com/office/drawing/2008/diagram" xmlns:a="http://schemas.openxmlformats.org/drawingml/2006/main">
+  <dsp:spTree>
+    <dsp:nvGrpSpPr>
+      <dsp:cNvPr id="0" name=""/>
+      <dsp:cNvGrpSpPr/>
+    </dsp:nvGrpSpPr>
+    <dsp:grpSpPr/>
+    <dsp:sp modelId="{E2DBD859-1EE6-41D2-B078-07AD5888C465}">
+      <dsp:nvSpPr>
+        <dsp:cNvPr id="0" name=""/>
+        <dsp:cNvSpPr/>
+      </dsp:nvSpPr>
+      <dsp:spPr>
+        <a:xfrm>
+          <a:off x="0" y="313626"/>
+          <a:ext cx="4861035" cy="453600"/>
+        </a:xfrm>
+        <a:prstGeom prst="rect">
+          <a:avLst/>
+        </a:prstGeom>
+        <a:solidFill>
+          <a:schemeClr val="accent6">
+            <a:alpha val="90000"/>
+            <a:tint val="40000"/>
+            <a:hueOff val="0"/>
+            <a:satOff val="0"/>
+            <a:lumOff val="0"/>
+            <a:alphaOff val="0"/>
+          </a:schemeClr>
+        </a:solidFill>
+        <a:ln w="25400" cap="flat" cmpd="sng" algn="ctr">
+          <a:solidFill>
+            <a:schemeClr val="accent6">
+              <a:hueOff val="0"/>
+              <a:satOff val="0"/>
+              <a:lumOff val="0"/>
+              <a:alphaOff val="0"/>
+            </a:schemeClr>
+          </a:solidFill>
+          <a:prstDash val="solid"/>
+        </a:ln>
+        <a:effectLst/>
+      </dsp:spPr>
+      <dsp:style>
+        <a:lnRef idx="2">
+          <a:scrgbClr r="0" g="0" b="0"/>
+        </a:lnRef>
+        <a:fillRef idx="1">
+          <a:scrgbClr r="0" g="0" b="0"/>
+        </a:fillRef>
+        <a:effectRef idx="0">
+          <a:scrgbClr r="0" g="0" b="0"/>
+        </a:effectRef>
+        <a:fontRef idx="minor"/>
+      </dsp:style>
+    </dsp:sp>
+    <dsp:sp modelId="{5197A258-CD1B-47CB-965E-C36EB0AA2288}">
+      <dsp:nvSpPr>
+        <dsp:cNvPr id="0" name=""/>
+        <dsp:cNvSpPr/>
+      </dsp:nvSpPr>
+      <dsp:spPr>
+        <a:xfrm>
+          <a:off x="243051" y="47946"/>
+          <a:ext cx="3402724" cy="531360"/>
+        </a:xfrm>
+        <a:prstGeom prst="roundRect">
+          <a:avLst/>
+        </a:prstGeom>
+        <a:solidFill>
+          <a:schemeClr val="lt1">
+            <a:hueOff val="0"/>
+            <a:satOff val="0"/>
+            <a:lumOff val="0"/>
+            <a:alphaOff val="0"/>
+          </a:schemeClr>
+        </a:solidFill>
+        <a:ln w="38100" cap="flat" cmpd="sng" algn="ctr">
+          <a:solidFill>
+            <a:schemeClr val="accent6">
+              <a:shade val="80000"/>
+              <a:hueOff val="0"/>
+              <a:satOff val="0"/>
+              <a:lumOff val="0"/>
+              <a:alphaOff val="0"/>
+            </a:schemeClr>
+          </a:solidFill>
+          <a:prstDash val="solid"/>
+        </a:ln>
+        <a:effectLst>
+          <a:outerShdw blurRad="40000" dist="20000" dir="5400000" rotWithShape="0">
+            <a:srgbClr val="000000">
+              <a:alpha val="38000"/>
+            </a:srgbClr>
+          </a:outerShdw>
+        </a:effectLst>
+      </dsp:spPr>
+      <dsp:style>
+        <a:lnRef idx="3">
+          <a:scrgbClr r="0" g="0" b="0"/>
+        </a:lnRef>
+        <a:fillRef idx="1">
+          <a:scrgbClr r="0" g="0" b="0"/>
+        </a:fillRef>
+        <a:effectRef idx="1">
+          <a:scrgbClr r="0" g="0" b="0"/>
+        </a:effectRef>
+        <a:fontRef idx="minor">
+          <a:schemeClr val="lt1"/>
+        </a:fontRef>
+      </dsp:style>
+      <dsp:txBody>
+        <a:bodyPr spcFirstLastPara="0" vert="horz" wrap="square" lIns="128615" tIns="0" rIns="128615" bIns="0" numCol="1" spcCol="1270" anchor="ctr" anchorCtr="0">
+          <a:noAutofit/>
+        </a:bodyPr>
+        <a:lstStyle/>
+        <a:p>
+          <a:pPr marL="0" lvl="0" indent="0" algn="l" defTabSz="800100">
+            <a:lnSpc>
+              <a:spcPct val="90000"/>
+            </a:lnSpc>
+            <a:spcBef>
+              <a:spcPct val="0"/>
+            </a:spcBef>
+            <a:spcAft>
+              <a:spcPct val="35000"/>
+            </a:spcAft>
+            <a:buNone/>
+          </a:pPr>
+          <a:r>
+            <a:rPr lang="en-US" sz="1800" kern="1200" dirty="0"/>
+            <a:t>What is Authentication</a:t>
+          </a:r>
+        </a:p>
+      </dsp:txBody>
+      <dsp:txXfrm>
+        <a:off x="268990" y="73885"/>
+        <a:ext cx="3350846" cy="479482"/>
+      </dsp:txXfrm>
+    </dsp:sp>
+    <dsp:sp modelId="{81E8774A-B85E-4E68-95B2-C7AFAD66CCDA}">
+      <dsp:nvSpPr>
+        <dsp:cNvPr id="0" name=""/>
+        <dsp:cNvSpPr/>
+      </dsp:nvSpPr>
+      <dsp:spPr>
+        <a:xfrm>
+          <a:off x="0" y="1130106"/>
+          <a:ext cx="4861035" cy="453600"/>
+        </a:xfrm>
+        <a:prstGeom prst="rect">
+          <a:avLst/>
+        </a:prstGeom>
+        <a:solidFill>
+          <a:schemeClr val="accent6">
+            <a:alpha val="90000"/>
+            <a:tint val="40000"/>
+            <a:hueOff val="0"/>
+            <a:satOff val="0"/>
+            <a:lumOff val="0"/>
+            <a:alphaOff val="0"/>
+          </a:schemeClr>
+        </a:solidFill>
+        <a:ln w="25400" cap="flat" cmpd="sng" algn="ctr">
+          <a:solidFill>
+            <a:schemeClr val="accent6">
+              <a:hueOff val="0"/>
+              <a:satOff val="0"/>
+              <a:lumOff val="0"/>
+              <a:alphaOff val="0"/>
+            </a:schemeClr>
+          </a:solidFill>
+          <a:prstDash val="solid"/>
+        </a:ln>
+        <a:effectLst/>
+      </dsp:spPr>
+      <dsp:style>
+        <a:lnRef idx="2">
+          <a:scrgbClr r="0" g="0" b="0"/>
+        </a:lnRef>
+        <a:fillRef idx="1">
+          <a:scrgbClr r="0" g="0" b="0"/>
+        </a:fillRef>
+        <a:effectRef idx="0">
+          <a:scrgbClr r="0" g="0" b="0"/>
+        </a:effectRef>
+        <a:fontRef idx="minor"/>
+      </dsp:style>
+    </dsp:sp>
+    <dsp:sp modelId="{3C2F36CE-D734-4657-BA16-5D694137535D}">
+      <dsp:nvSpPr>
+        <dsp:cNvPr id="0" name=""/>
+        <dsp:cNvSpPr/>
+      </dsp:nvSpPr>
+      <dsp:spPr>
+        <a:xfrm>
+          <a:off x="243051" y="864426"/>
+          <a:ext cx="3402724" cy="531360"/>
+        </a:xfrm>
+        <a:prstGeom prst="roundRect">
+          <a:avLst/>
+        </a:prstGeom>
+        <a:solidFill>
+          <a:schemeClr val="lt1">
+            <a:hueOff val="0"/>
+            <a:satOff val="0"/>
+            <a:lumOff val="0"/>
+            <a:alphaOff val="0"/>
+          </a:schemeClr>
+        </a:solidFill>
+        <a:ln w="38100" cap="flat" cmpd="sng" algn="ctr">
+          <a:solidFill>
+            <a:schemeClr val="accent6">
+              <a:shade val="80000"/>
+              <a:hueOff val="0"/>
+              <a:satOff val="0"/>
+              <a:lumOff val="0"/>
+              <a:alphaOff val="0"/>
+            </a:schemeClr>
+          </a:solidFill>
+          <a:prstDash val="solid"/>
+        </a:ln>
+        <a:effectLst>
+          <a:outerShdw blurRad="40000" dist="20000" dir="5400000" rotWithShape="0">
+            <a:srgbClr val="000000">
+              <a:alpha val="38000"/>
+            </a:srgbClr>
+          </a:outerShdw>
+        </a:effectLst>
+      </dsp:spPr>
+      <dsp:style>
+        <a:lnRef idx="3">
+          <a:scrgbClr r="0" g="0" b="0"/>
+        </a:lnRef>
+        <a:fillRef idx="1">
+          <a:scrgbClr r="0" g="0" b="0"/>
+        </a:fillRef>
+        <a:effectRef idx="1">
+          <a:scrgbClr r="0" g="0" b="0"/>
+        </a:effectRef>
+        <a:fontRef idx="minor">
+          <a:schemeClr val="lt1"/>
+        </a:fontRef>
+      </dsp:style>
+      <dsp:txBody>
+        <a:bodyPr spcFirstLastPara="0" vert="horz" wrap="square" lIns="128615" tIns="0" rIns="128615" bIns="0" numCol="1" spcCol="1270" anchor="ctr" anchorCtr="0">
+          <a:noAutofit/>
+        </a:bodyPr>
+        <a:lstStyle/>
+        <a:p>
+          <a:pPr marL="0" lvl="0" indent="0" algn="l" defTabSz="800100">
+            <a:lnSpc>
+              <a:spcPct val="90000"/>
+            </a:lnSpc>
+            <a:spcBef>
+              <a:spcPct val="0"/>
+            </a:spcBef>
+            <a:spcAft>
+              <a:spcPct val="35000"/>
+            </a:spcAft>
+            <a:buNone/>
+          </a:pPr>
+          <a:r>
+            <a:rPr lang="en-US" sz="1800" kern="1200" dirty="0"/>
+            <a:t>Problems in Authentication</a:t>
+          </a:r>
+        </a:p>
+      </dsp:txBody>
+      <dsp:txXfrm>
+        <a:off x="268990" y="890365"/>
+        <a:ext cx="3350846" cy="479482"/>
+      </dsp:txXfrm>
+    </dsp:sp>
+    <dsp:sp modelId="{F849CF97-0867-4443-BE34-6A824034FDDB}">
+      <dsp:nvSpPr>
+        <dsp:cNvPr id="0" name=""/>
+        <dsp:cNvSpPr/>
+      </dsp:nvSpPr>
+      <dsp:spPr>
+        <a:xfrm>
+          <a:off x="0" y="1946586"/>
+          <a:ext cx="4861035" cy="453600"/>
+        </a:xfrm>
+        <a:prstGeom prst="rect">
+          <a:avLst/>
+        </a:prstGeom>
+        <a:solidFill>
+          <a:schemeClr val="accent6">
+            <a:alpha val="90000"/>
+            <a:tint val="40000"/>
+            <a:hueOff val="0"/>
+            <a:satOff val="0"/>
+            <a:lumOff val="0"/>
+            <a:alphaOff val="0"/>
+          </a:schemeClr>
+        </a:solidFill>
+        <a:ln w="25400" cap="flat" cmpd="sng" algn="ctr">
+          <a:solidFill>
+            <a:schemeClr val="accent6">
+              <a:hueOff val="0"/>
+              <a:satOff val="0"/>
+              <a:lumOff val="0"/>
+              <a:alphaOff val="0"/>
+            </a:schemeClr>
+          </a:solidFill>
+          <a:prstDash val="solid"/>
+        </a:ln>
+        <a:effectLst/>
+      </dsp:spPr>
+      <dsp:style>
+        <a:lnRef idx="2">
+          <a:scrgbClr r="0" g="0" b="0"/>
+        </a:lnRef>
+        <a:fillRef idx="1">
+          <a:scrgbClr r="0" g="0" b="0"/>
+        </a:fillRef>
+        <a:effectRef idx="0">
+          <a:scrgbClr r="0" g="0" b="0"/>
+        </a:effectRef>
+        <a:fontRef idx="minor"/>
+      </dsp:style>
+    </dsp:sp>
+    <dsp:sp modelId="{6BF087EA-5B0A-4D4F-9C57-C7959C74858D}">
+      <dsp:nvSpPr>
+        <dsp:cNvPr id="0" name=""/>
+        <dsp:cNvSpPr/>
+      </dsp:nvSpPr>
+      <dsp:spPr>
+        <a:xfrm>
+          <a:off x="243051" y="1680907"/>
+          <a:ext cx="3402724" cy="531360"/>
+        </a:xfrm>
+        <a:prstGeom prst="roundRect">
+          <a:avLst/>
+        </a:prstGeom>
+        <a:solidFill>
+          <a:schemeClr val="lt1">
+            <a:hueOff val="0"/>
+            <a:satOff val="0"/>
+            <a:lumOff val="0"/>
+            <a:alphaOff val="0"/>
+          </a:schemeClr>
+        </a:solidFill>
+        <a:ln w="38100" cap="flat" cmpd="sng" algn="ctr">
+          <a:solidFill>
+            <a:schemeClr val="accent6">
+              <a:shade val="80000"/>
+              <a:hueOff val="0"/>
+              <a:satOff val="0"/>
+              <a:lumOff val="0"/>
+              <a:alphaOff val="0"/>
+            </a:schemeClr>
+          </a:solidFill>
+          <a:prstDash val="solid"/>
+        </a:ln>
+        <a:effectLst>
+          <a:outerShdw blurRad="40000" dist="20000" dir="5400000" rotWithShape="0">
+            <a:srgbClr val="000000">
+              <a:alpha val="38000"/>
+            </a:srgbClr>
+          </a:outerShdw>
+        </a:effectLst>
+      </dsp:spPr>
+      <dsp:style>
+        <a:lnRef idx="3">
+          <a:scrgbClr r="0" g="0" b="0"/>
+        </a:lnRef>
+        <a:fillRef idx="1">
+          <a:scrgbClr r="0" g="0" b="0"/>
+        </a:fillRef>
+        <a:effectRef idx="1">
+          <a:scrgbClr r="0" g="0" b="0"/>
+        </a:effectRef>
+        <a:fontRef idx="minor">
+          <a:schemeClr val="lt1"/>
+        </a:fontRef>
+      </dsp:style>
+      <dsp:txBody>
+        <a:bodyPr spcFirstLastPara="0" vert="horz" wrap="square" lIns="128615" tIns="0" rIns="128615" bIns="0" numCol="1" spcCol="1270" anchor="ctr" anchorCtr="0">
+          <a:noAutofit/>
+        </a:bodyPr>
+        <a:lstStyle/>
+        <a:p>
+          <a:pPr marL="0" lvl="0" indent="0" algn="l" defTabSz="800100">
+            <a:lnSpc>
+              <a:spcPct val="90000"/>
+            </a:lnSpc>
+            <a:spcBef>
+              <a:spcPct val="0"/>
+            </a:spcBef>
+            <a:spcAft>
+              <a:spcPct val="35000"/>
+            </a:spcAft>
+            <a:buNone/>
+          </a:pPr>
+          <a:r>
+            <a:rPr lang="en-US" sz="1800" kern="1200" dirty="0"/>
+            <a:t>The Solution - Hashing</a:t>
+          </a:r>
+        </a:p>
+      </dsp:txBody>
+      <dsp:txXfrm>
+        <a:off x="268990" y="1706846"/>
+        <a:ext cx="3350846" cy="479482"/>
+      </dsp:txXfrm>
+    </dsp:sp>
+    <dsp:sp modelId="{D98D6192-2F7B-4DA3-ABE9-938B036589BF}">
+      <dsp:nvSpPr>
+        <dsp:cNvPr id="0" name=""/>
+        <dsp:cNvSpPr/>
+      </dsp:nvSpPr>
+      <dsp:spPr>
+        <a:xfrm>
+          <a:off x="0" y="2763067"/>
+          <a:ext cx="4861035" cy="453600"/>
+        </a:xfrm>
+        <a:prstGeom prst="rect">
+          <a:avLst/>
+        </a:prstGeom>
+        <a:solidFill>
+          <a:schemeClr val="accent6">
+            <a:alpha val="90000"/>
+            <a:tint val="40000"/>
+            <a:hueOff val="0"/>
+            <a:satOff val="0"/>
+            <a:lumOff val="0"/>
+            <a:alphaOff val="0"/>
+          </a:schemeClr>
+        </a:solidFill>
+        <a:ln w="25400" cap="flat" cmpd="sng" algn="ctr">
+          <a:solidFill>
+            <a:schemeClr val="accent6">
+              <a:hueOff val="0"/>
+              <a:satOff val="0"/>
+              <a:lumOff val="0"/>
+              <a:alphaOff val="0"/>
+            </a:schemeClr>
+          </a:solidFill>
+          <a:prstDash val="solid"/>
+        </a:ln>
+        <a:effectLst/>
+      </dsp:spPr>
+      <dsp:style>
+        <a:lnRef idx="2">
+          <a:scrgbClr r="0" g="0" b="0"/>
+        </a:lnRef>
+        <a:fillRef idx="1">
+          <a:scrgbClr r="0" g="0" b="0"/>
+        </a:fillRef>
+        <a:effectRef idx="0">
+          <a:scrgbClr r="0" g="0" b="0"/>
+        </a:effectRef>
+        <a:fontRef idx="minor"/>
+      </dsp:style>
+    </dsp:sp>
+    <dsp:sp modelId="{2B74785F-4A95-4A14-92FF-A20908565074}">
+      <dsp:nvSpPr>
+        <dsp:cNvPr id="0" name=""/>
+        <dsp:cNvSpPr/>
+      </dsp:nvSpPr>
+      <dsp:spPr>
+        <a:xfrm>
+          <a:off x="243051" y="2497387"/>
+          <a:ext cx="3402724" cy="531360"/>
+        </a:xfrm>
+        <a:prstGeom prst="roundRect">
+          <a:avLst/>
+        </a:prstGeom>
+        <a:solidFill>
+          <a:schemeClr val="lt1">
+            <a:hueOff val="0"/>
+            <a:satOff val="0"/>
+            <a:lumOff val="0"/>
+            <a:alphaOff val="0"/>
+          </a:schemeClr>
+        </a:solidFill>
+        <a:ln w="38100" cap="flat" cmpd="sng" algn="ctr">
+          <a:solidFill>
+            <a:schemeClr val="accent6">
+              <a:shade val="80000"/>
+              <a:hueOff val="0"/>
+              <a:satOff val="0"/>
+              <a:lumOff val="0"/>
+              <a:alphaOff val="0"/>
+            </a:schemeClr>
+          </a:solidFill>
+          <a:prstDash val="solid"/>
+        </a:ln>
+        <a:effectLst>
+          <a:outerShdw blurRad="40000" dist="20000" dir="5400000" rotWithShape="0">
+            <a:srgbClr val="000000">
+              <a:alpha val="38000"/>
+            </a:srgbClr>
+          </a:outerShdw>
+        </a:effectLst>
+      </dsp:spPr>
+      <dsp:style>
+        <a:lnRef idx="3">
+          <a:scrgbClr r="0" g="0" b="0"/>
+        </a:lnRef>
+        <a:fillRef idx="1">
+          <a:scrgbClr r="0" g="0" b="0"/>
+        </a:fillRef>
+        <a:effectRef idx="1">
+          <a:scrgbClr r="0" g="0" b="0"/>
+        </a:effectRef>
+        <a:fontRef idx="minor">
+          <a:schemeClr val="lt1"/>
+        </a:fontRef>
+      </dsp:style>
+      <dsp:txBody>
+        <a:bodyPr spcFirstLastPara="0" vert="horz" wrap="square" lIns="128615" tIns="0" rIns="128615" bIns="0" numCol="1" spcCol="1270" anchor="ctr" anchorCtr="0">
+          <a:noAutofit/>
+        </a:bodyPr>
+        <a:lstStyle/>
+        <a:p>
+          <a:pPr marL="0" lvl="0" indent="0" algn="l" defTabSz="800100">
+            <a:lnSpc>
+              <a:spcPct val="90000"/>
+            </a:lnSpc>
+            <a:spcBef>
+              <a:spcPct val="0"/>
+            </a:spcBef>
+            <a:spcAft>
+              <a:spcPct val="35000"/>
+            </a:spcAft>
+            <a:buNone/>
+          </a:pPr>
+          <a:r>
+            <a:rPr lang="en-US" sz="1800" kern="1200" dirty="0"/>
+            <a:t>Live Demo</a:t>
+          </a:r>
+        </a:p>
+      </dsp:txBody>
+      <dsp:txXfrm>
+        <a:off x="268990" y="2523326"/>
+        <a:ext cx="3350846" cy="479482"/>
+      </dsp:txXfrm>
+    </dsp:sp>
+  </dsp:spTree>
+</dsp:drawing>
+</file>
+
+<file path=ppt/diagrams/layout1.xml><?xml version="1.0" encoding="utf-8"?>
+<dgm:layoutDef xmlns:dgm="http://schemas.openxmlformats.org/drawingml/2006/diagram" xmlns:a="http://schemas.openxmlformats.org/drawingml/2006/main" uniqueId="urn:microsoft.com/office/officeart/2005/8/layout/list1">
+  <dgm:title val=""/>
+  <dgm:desc val=""/>
+  <dgm:catLst>
+    <dgm:cat type="list" pri="4000"/>
+  </dgm:catLst>
+  <dgm:sampData>
+    <dgm:dataModel>
+      <dgm:ptLst>
+        <dgm:pt modelId="0" type="doc"/>
+        <dgm:pt modelId="1">
+          <dgm:prSet phldr="1"/>
+        </dgm:pt>
+        <dgm:pt modelId="2">
+          <dgm:prSet phldr="1"/>
+        </dgm:pt>
+        <dgm:pt modelId="3">
+          <dgm:prSet phldr="1"/>
+        </dgm:pt>
+      </dgm:ptLst>
+      <dgm:cxnLst>
+        <dgm:cxn modelId="4" srcId="0" destId="1" srcOrd="0" destOrd="0"/>
+        <dgm:cxn modelId="5" srcId="0" destId="2" srcOrd="1" destOrd="0"/>
+        <dgm:cxn modelId="6" srcId="0" destId="3" srcOrd="2" destOrd="0"/>
+      </dgm:cxnLst>
+      <dgm:bg/>
+      <dgm:whole/>
+    </dgm:dataModel>
+  </dgm:sampData>
+  <dgm:styleData>
+    <dgm:dataModel>
+      <dgm:ptLst>
+        <dgm:pt modelId="0" type="doc"/>
+        <dgm:pt modelId="1"/>
+        <dgm:pt modelId="2"/>
+      </dgm:ptLst>
+      <dgm:cxnLst>
+        <dgm:cxn modelId="4" srcId="0" destId="1" srcOrd="0" destOrd="0"/>
+        <dgm:cxn modelId="5" srcId="0" destId="2" srcOrd="1" destOrd="0"/>
+      </dgm:cxnLst>
+      <dgm:bg/>
+      <dgm:whole/>
+    </dgm:dataModel>
+  </dgm:styleData>
+  <dgm:clrData>
+    <dgm:dataModel>
+      <dgm:ptLst>
+        <dgm:pt modelId="0" type="doc"/>
+        <dgm:pt modelId="1"/>
+        <dgm:pt modelId="2"/>
+        <dgm:pt modelId="3"/>
+        <dgm:pt modelId="4"/>
+      </dgm:ptLst>
+      <dgm:cxnLst>
+        <dgm:cxn modelId="5" srcId="0" destId="1" srcOrd="0" destOrd="0"/>
+        <dgm:cxn modelId="6" srcId="0" destId="2" srcOrd="1" destOrd="0"/>
+        <dgm:cxn modelId="7" srcId="0" destId="3" srcOrd="2" destOrd="0"/>
+        <dgm:cxn modelId="8" srcId="0" destId="4" srcOrd="3" destOrd="0"/>
+      </dgm:cxnLst>
+      <dgm:bg/>
+      <dgm:whole/>
+    </dgm:dataModel>
+  </dgm:clrData>
+  <dgm:layoutNode name="linear">
+    <dgm:varLst>
+      <dgm:dir/>
+      <dgm:animLvl val="lvl"/>
+      <dgm:resizeHandles val="exact"/>
+    </dgm:varLst>
+    <dgm:choose name="Name0">
+      <dgm:if name="Name1" func="var" arg="dir" op="equ" val="norm">
+        <dgm:alg type="lin">
+          <dgm:param type="linDir" val="fromT"/>
+          <dgm:param type="vertAlign" val="mid"/>
+          <dgm:param type="horzAlign" val="l"/>
+          <dgm:param type="nodeHorzAlign" val="l"/>
+        </dgm:alg>
+      </dgm:if>
+      <dgm:else name="Name2">
+        <dgm:alg type="lin">
+          <dgm:param type="linDir" val="fromT"/>
+          <dgm:param type="vertAlign" val="mid"/>
+          <dgm:param type="horzAlign" val="r"/>
+          <dgm:param type="nodeHorzAlign" val="r"/>
+        </dgm:alg>
+      </dgm:else>
+    </dgm:choose>
+    <dgm:shape xmlns:r="http://schemas.openxmlformats.org/officeDocument/2006/relationships" r:blip="">
+      <dgm:adjLst/>
+    </dgm:shape>
+    <dgm:presOf/>
+    <dgm:constrLst>
+      <dgm:constr type="w" for="ch" forName="parentLin" refType="w"/>
+      <dgm:constr type="h" for="ch" forName="parentLin" val="INF"/>
+      <dgm:constr type="w" for="des" forName="parentLeftMargin" refType="w" fact="0.05"/>
+      <dgm:constr type="w" for="des" forName="parentText" refType="w" fact="0.7"/>
+      <dgm:constr type="h" for="des" forName="parentText" refType="primFontSz" refFor="des" refForName="parentText" fact="0.82"/>
+      <dgm:constr type="h" for="ch" forName="negativeSpace" refType="primFontSz" refFor="des" refForName="parentText" fact="-0.41"/>
+      <dgm:constr type="h" for="ch" forName="negativeSpace" refType="h" refFor="des" refForName="parentText" op="lte" fact="-0.82"/>
+      <dgm:constr type="h" for="ch" forName="negativeSpace" refType="h" refFor="des" refForName="parentText" op="gte" fact="-0.82"/>
+      <dgm:constr type="w" for="ch" forName="childText" refType="w"/>
+      <dgm:constr type="h" for="ch" forName="childText" refType="primFontSz" refFor="des" refForName="parentText" fact="0.7"/>
+      <dgm:constr type="primFontSz" for="des" forName="parentText" val="65"/>
+      <dgm:constr type="primFontSz" for="ch" forName="childText" refType="primFontSz" refFor="des" refForName="parentText"/>
+      <dgm:constr type="tMarg" for="ch" forName="childText" refType="primFontSz" refFor="des" refForName="parentText" fact="1.64"/>
+      <dgm:constr type="tMarg" for="ch" forName="childText" refType="h" refFor="des" refForName="parentText" op="lte" fact="3.28"/>
+      <dgm:constr type="tMarg" for="ch" forName="childText" refType="h" refFor="des" refForName="parentText" op="gte" fact="3.28"/>
+      <dgm:constr type="lMarg" for="ch" forName="childText" refType="w" fact="0.22"/>
+      <dgm:constr type="rMarg" for="ch" forName="childText" refType="lMarg" refFor="ch" refForName="childText"/>
+      <dgm:constr type="lMarg" for="des" forName="parentText" refType="w" fact="0.075"/>
+      <dgm:constr type="rMarg" for="des" forName="parentText" refType="lMarg" refFor="des" refForName="parentText"/>
+      <dgm:constr type="h" for="ch" forName="spaceBetweenRectangles" refType="primFontSz" refFor="des" refForName="parentText" fact="0.15"/>
+    </dgm:constrLst>
+    <dgm:ruleLst>
+      <dgm:rule type="primFontSz" for="des" forName="parentText" val="5" fact="NaN" max="NaN"/>
+    </dgm:ruleLst>
+    <dgm:forEach name="Name3" axis="ch" ptType="node">
+      <dgm:layoutNode name="parentLin">
+        <dgm:choose name="Name4">
+          <dgm:if name="Name5" func="var" arg="dir" op="equ" val="norm">
+            <dgm:alg type="lin">
+              <dgm:param type="linDir" val="fromL"/>
+              <dgm:param type="horzAlign" val="l"/>
+              <dgm:param type="nodeHorzAlign" val="l"/>
+            </dgm:alg>
+          </dgm:if>
+          <dgm:else name="Name6">
+            <dgm:alg type="lin">
+              <dgm:param type="linDir" val="fromR"/>
+              <dgm:param type="horzAlign" val="r"/>
+              <dgm:param type="nodeHorzAlign" val="r"/>
+            </dgm:alg>
+          </dgm:else>
+        </dgm:choose>
+        <dgm:shape xmlns:r="http://schemas.openxmlformats.org/officeDocument/2006/relationships" r:blip="">
+          <dgm:adjLst/>
+        </dgm:shape>
+        <dgm:presOf/>
+        <dgm:constrLst/>
+        <dgm:ruleLst/>
+        <dgm:layoutNode name="parentLeftMargin">
+          <dgm:alg type="sp"/>
+          <dgm:shape xmlns:r="http://schemas.openxmlformats.org/officeDocument/2006/relationships" type="rect" r:blip="" hideGeom="1">
+            <dgm:adjLst/>
+          </dgm:shape>
+          <dgm:presOf axis="self"/>
+          <dgm:constrLst>
+            <dgm:constr type="h"/>
+          </dgm:constrLst>
+          <dgm:ruleLst/>
+        </dgm:layoutNode>
+        <dgm:layoutNode name="parentText" styleLbl="node1">
+          <dgm:varLst>
+            <dgm:chMax val="0"/>
+            <dgm:bulletEnabled val="1"/>
+          </dgm:varLst>
+          <dgm:choose name="Name7">
+            <dgm:if name="Name8" func="var" arg="dir" op="equ" val="norm">
+              <dgm:alg type="tx">
+                <dgm:param type="parTxLTRAlign" val="l"/>
+                <dgm:param type="parTxRTLAlign" val="l"/>
+              </dgm:alg>
+            </dgm:if>
+            <dgm:else name="Name9">
+              <dgm:alg type="tx">
+                <dgm:param type="parTxLTRAlign" val="r"/>
+                <dgm:param type="parTxRTLAlign" val="r"/>
+              </dgm:alg>
+            </dgm:else>
+          </dgm:choose>
+          <dgm:shape xmlns:r="http://schemas.openxmlformats.org/officeDocument/2006/relationships" type="roundRect" r:blip="">
+            <dgm:adjLst/>
+          </dgm:shape>
+          <dgm:presOf axis="self" ptType="node"/>
+          <dgm:constrLst>
+            <dgm:constr type="tMarg"/>
+            <dgm:constr type="bMarg"/>
+          </dgm:constrLst>
+          <dgm:ruleLst/>
+        </dgm:layoutNode>
+      </dgm:layoutNode>
+      <dgm:layoutNode name="negativeSpace">
+        <dgm:alg type="sp"/>
+        <dgm:shape xmlns:r="http://schemas.openxmlformats.org/officeDocument/2006/relationships" r:blip="">
+          <dgm:adjLst/>
+        </dgm:shape>
+        <dgm:presOf/>
+        <dgm:constrLst/>
+        <dgm:ruleLst/>
+      </dgm:layoutNode>
+      <dgm:layoutNode name="childText" styleLbl="conFgAcc1">
+        <dgm:varLst>
+          <dgm:bulletEnabled val="1"/>
+        </dgm:varLst>
+        <dgm:alg type="tx">
+          <dgm:param type="stBulletLvl" val="1"/>
+        </dgm:alg>
+        <dgm:shape xmlns:r="http://schemas.openxmlformats.org/officeDocument/2006/relationships" type="rect" r:blip="" zOrderOff="-2">
+          <dgm:adjLst/>
+        </dgm:shape>
+        <dgm:presOf axis="des" ptType="node"/>
+        <dgm:constrLst>
+          <dgm:constr type="secFontSz" refType="primFontSz"/>
+        </dgm:constrLst>
+        <dgm:ruleLst>
+          <dgm:rule type="h" val="INF" fact="NaN" max="NaN"/>
+        </dgm:ruleLst>
+      </dgm:layoutNode>
+      <dgm:forEach name="Name10" axis="followSib" ptType="sibTrans" cnt="1">
+        <dgm:layoutNode name="spaceBetweenRectangles">
+          <dgm:alg type="sp"/>
+          <dgm:shape xmlns:r="http://schemas.openxmlformats.org/officeDocument/2006/relationships" r:blip="">
+            <dgm:adjLst/>
+          </dgm:shape>
+          <dgm:presOf/>
+          <dgm:constrLst/>
+          <dgm:ruleLst/>
+        </dgm:layoutNode>
+      </dgm:forEach>
+    </dgm:forEach>
+  </dgm:layoutNode>
+</dgm:layoutDef>
+</file>
+
+<file path=ppt/diagrams/quickStyle1.xml><?xml version="1.0" encoding="utf-8"?>
+<dgm:styleDef xmlns:dgm="http://schemas.openxmlformats.org/drawingml/2006/diagram" xmlns:a="http://schemas.openxmlformats.org/drawingml/2006/main" uniqueId="urn:microsoft.com/office/officeart/2005/8/quickstyle/simple2">
+  <dgm:title val=""/>
+  <dgm:desc val=""/>
+  <dgm:catLst>
+    <dgm:cat type="simple" pri="10200"/>
+  </dgm:catLst>
+  <dgm:scene3d>
+    <a:camera prst="orthographicFront"/>
+    <a:lightRig rig="threePt" dir="t"/>
+  </dgm:scene3d>
+  <dgm:styleLbl name="node0">
+    <dgm:scene3d>
+      <a:camera prst="orthographicFront"/>
+      <a:lightRig rig="threePt" dir="t"/>
+    </dgm:scene3d>
+    <dgm:sp3d/>
+    <dgm:txPr/>
+    <dgm:style>
+      <a:lnRef idx="3">
+        <a:scrgbClr r="0" g="0" b="0"/>
+      </a:lnRef>
+      <a:fillRef idx="1">
+        <a:scrgbClr r="0" g="0" b="0"/>
+      </a:fillRef>
+      <a:effectRef idx="1">
+        <a:scrgbClr r="0" g="0" b="0"/>
+      </a:effectRef>
+      <a:fontRef idx="minor">
+        <a:schemeClr val="lt1"/>
+      </a:fontRef>
+    </dgm:style>
+  </dgm:styleLbl>
+  <dgm:styleLbl name="lnNode1">
+    <dgm:scene3d>
+      <a:camera prst="orthographicFront"/>
+      <a:lightRig rig="threePt" dir="t"/>
+    </dgm:scene3d>
+    <dgm:sp3d/>
+    <dgm:txPr/>
+    <dgm:style>
+      <a:lnRef idx="3">
+        <a:scrgbClr r="0" g="0" b="0"/>
+      </a:lnRef>
+      <a:fillRef idx="1">
+        <a:scrgbClr r="0" g="0" b="0"/>
+      </a:fillRef>
+      <a:effectRef idx="1">
+        <a:scrgbClr r="0" g="0" b="0"/>
+      </a:effectRef>
+      <a:fontRef idx="minor">
+        <a:schemeClr val="lt1"/>
+      </a:fontRef>
+    </dgm:style>
+  </dgm:styleLbl>
+  <dgm:styleLbl name="vennNode1">
+    <dgm:scene3d>
+      <a:camera prst="orthographicFront"/>
+      <a:lightRig rig="threePt" dir="t"/>
+    </dgm:scene3d>
+    <dgm:sp3d/>
+    <dgm:txPr/>
+    <dgm:style>
+      <a:lnRef idx="3">
+        <a:scrgbClr r="0" g="0" b="0"/>
+      </a:lnRef>
+      <a:fillRef idx="1">
+        <a:scrgbClr r="0" g="0" b="0"/>
+      </a:fillRef>
+      <a:effectRef idx="0">
+        <a:scrgbClr r="0" g="0" b="0"/>
+      </a:effectRef>
+      <a:fontRef idx="minor">
+        <a:schemeClr val="tx1"/>
+      </a:fontRef>
+    </dgm:style>
+  </dgm:styleLbl>
+  <dgm:styleLbl name="alignNode1">
+    <dgm:scene3d>
+      <a:camera prst="orthographicFront"/>
+      <a:lightRig rig="threePt" dir="t"/>
+    </dgm:scene3d>
+    <dgm:sp3d/>
+    <dgm:txPr/>
+    <dgm:style>
+      <a:lnRef idx="2">
+        <a:scrgbClr r="0" g="0" b="0"/>
+      </a:lnRef>
+      <a:fillRef idx="1">
+        <a:scrgbClr r="0" g="0" b="0"/>
+      </a:fillRef>
+      <a:effectRef idx="1">
+        <a:scrgbClr r="0" g="0" b="0"/>
+      </a:effectRef>
+      <a:fontRef idx="minor">
+        <a:schemeClr val="lt1"/>
+      </a:fontRef>
+    </dgm:style>
+  </dgm:styleLbl>
+  <dgm:styleLbl name="node1">
+    <dgm:scene3d>
+      <a:camera prst="orthographicFront"/>
+      <a:lightRig rig="threePt" dir="t"/>
+    </dgm:scene3d>
+    <dgm:sp3d/>
+    <dgm:txPr/>
+    <dgm:style>
+      <a:lnRef idx="3">
+        <a:scrgbClr r="0" g="0" b="0"/>
+      </a:lnRef>
+      <a:fillRef idx="1">
+        <a:scrgbClr r="0" g="0" b="0"/>
+      </a:fillRef>
+      <a:effectRef idx="1">
+        <a:scrgbClr r="0" g="0" b="0"/>
+      </a:effectRef>
+      <a:fontRef idx="minor">
+        <a:schemeClr val="lt1"/>
+      </a:fontRef>
+    </dgm:style>
+  </dgm:styleLbl>
+  <dgm:styleLbl name="node2">
+    <dgm:scene3d>
+      <a:camera prst="orthographicFront"/>
+      <a:lightRig rig="threePt" dir="t"/>
+    </dgm:scene3d>
+    <dgm:sp3d/>
+    <dgm:txPr/>
+    <dgm:style>
+      <a:lnRef idx="3">
+        <a:scrgbClr r="0" g="0" b="0"/>
+      </a:lnRef>
+      <a:fillRef idx="1">
+        <a:scrgbClr r="0" g="0" b="0"/>
+      </a:fillRef>
+      <a:effectRef idx="1">
+        <a:scrgbClr r="0" g="0" b="0"/>
+      </a:effectRef>
+      <a:fontRef idx="minor">
+        <a:schemeClr val="lt1"/>
+      </a:fontRef>
+    </dgm:style>
+  </dgm:styleLbl>
+  <dgm:styleLbl name="node3">
+    <dgm:scene3d>
+      <a:camera prst="orthographicFront"/>
+      <a:lightRig rig="threePt" dir="t"/>
+    </dgm:scene3d>
+    <dgm:sp3d/>
+    <dgm:txPr/>
+    <dgm:style>
+      <a:lnRef idx="3">
+        <a:scrgbClr r="0" g="0" b="0"/>
+      </a:lnRef>
+      <a:fillRef idx="1">
+        <a:scrgbClr r="0" g="0" b="0"/>
+      </a:fillRef>
+      <a:effectRef idx="1">
+        <a:scrgbClr r="0" g="0" b="0"/>
+      </a:effectRef>
+      <a:fontRef idx="minor">
+        <a:schemeClr val="lt1"/>
+      </a:fontRef>
+    </dgm:style>
+  </dgm:styleLbl>
+  <dgm:styleLbl name="node4">
+    <dgm:scene3d>
+      <a:camera prst="orthographicFront"/>
+      <a:lightRig rig="threePt" dir="t"/>
+    </dgm:scene3d>
+    <dgm:sp3d/>
+    <dgm:txPr/>
+    <dgm:style>
+      <a:lnRef idx="3">
+        <a:scrgbClr r="0" g="0" b="0"/>
+      </a:lnRef>
+      <a:fillRef idx="1">
+        <a:scrgbClr r="0" g="0" b="0"/>
+      </a:fillRef>
+      <a:effectRef idx="1">
+        <a:scrgbClr r="0" g="0" b="0"/>
+      </a:effectRef>
+      <a:fontRef idx="minor">
+        <a:schemeClr val="lt1"/>
+      </a:fontRef>
+    </dgm:style>
+  </dgm:styleLbl>
+  <dgm:styleLbl name="fgImgPlace1">
+    <dgm:scene3d>
+      <a:camera prst="orthographicFront"/>
+      <a:lightRig rig="threePt" dir="t"/>
+    </dgm:scene3d>
+    <dgm:sp3d/>
+    <dgm:txPr/>
+    <dgm:style>
+      <a:lnRef idx="3">
+        <a:scrgbClr r="0" g="0" b="0"/>
+      </a:lnRef>
+      <a:fillRef idx="1">
+        <a:scrgbClr r="0" g="0" b="0"/>
+      </a:fillRef>
+      <a:effectRef idx="1">
+        <a:scrgbClr r="0" g="0" b="0"/>
+      </a:effectRef>
+      <a:fontRef idx="minor"/>
+    </dgm:style>
+  </dgm:styleLbl>
+  <dgm:styleLbl name="alignImgPlace1">
+    <dgm:scene3d>
+      <a:camera prst="orthographicFront"/>
+      <a:lightRig rig="threePt" dir="t"/>
+    </dgm:scene3d>
+    <dgm:sp3d/>
+    <dgm:txPr/>
+    <dgm:style>
+      <a:lnRef idx="3">
+        <a:scrgbClr r="0" g="0" b="0"/>
+      </a:lnRef>
+      <a:fillRef idx="1">
+        <a:scrgbClr r="0" g="0" b="0"/>
+      </a:fillRef>
+      <a:effectRef idx="1">
+        <a:scrgbClr r="0" g="0" b="0"/>
+      </a:effectRef>
+      <a:fontRef idx="minor"/>
+    </dgm:style>
+  </dgm:styleLbl>
+  <dgm:styleLbl name="bgImgPlace1">
+    <dgm:scene3d>
+      <a:camera prst="orthographicFront"/>
+      <a:lightRig rig="threePt" dir="t"/>
+    </dgm:scene3d>
+    <dgm:sp3d/>
+    <dgm:txPr/>
+    <dgm:style>
+      <a:lnRef idx="3">
+        <a:scrgbClr r="0" g="0" b="0"/>
+      </a:lnRef>
+      <a:fillRef idx="1">
+        <a:scrgbClr r="0" g="0" b="0"/>
+      </a:fillRef>
+      <a:effectRef idx="1">
+        <a:scrgbClr r="0" g="0" b="0"/>
+      </a:effectRef>
+      <a:fontRef idx="minor"/>
+    </dgm:style>
+  </dgm:styleLbl>
+  <dgm:styleLbl name="sibTrans2D1">
+    <dgm:scene3d>
+      <a:camera prst="orthographicFront"/>
+      <a:lightRig rig="threePt" dir="t"/>
+    </dgm:scene3d>
+    <dgm:sp3d/>
+    <dgm:txPr/>
+    <dgm:style>
+      <a:lnRef idx="0">
+        <a:scrgbClr r="0" g="0" b="0"/>
+      </a:lnRef>
+      <a:fillRef idx="1">
+        <a:scrgbClr r="0" g="0" b="0"/>
+      </a:fillRef>
+      <a:effectRef idx="1">
+        <a:scrgbClr r="0" g="0" b="0"/>
+      </a:effectRef>
+      <a:fontRef idx="minor">
+        <a:schemeClr val="lt1"/>
+      </a:fontRef>
+    </dgm:style>
+  </dgm:styleLbl>
+  <dgm:styleLbl name="fgSibTrans2D1">
+    <dgm:scene3d>
+      <a:camera prst="orthographicFront"/>
+      <a:lightRig rig="threePt" dir="t"/>
+    </dgm:scene3d>
+    <dgm:sp3d/>
+    <dgm:txPr/>
+    <dgm:style>
+      <a:lnRef idx="0">
+        <a:scrgbClr r="0" g="0" b="0"/>
+      </a:lnRef>
+      <a:fillRef idx="1">
+        <a:scrgbClr r="0" g="0" b="0"/>
+      </a:fillRef>
+      <a:effectRef idx="1">
+        <a:scrgbClr r="0" g="0" b="0"/>
+      </a:effectRef>
+      <a:fontRef idx="minor">
+        <a:schemeClr val="lt1"/>
+      </a:fontRef>
+    </dgm:style>
+  </dgm:styleLbl>
+  <dgm:styleLbl name="bgSibTrans2D1">
+    <dgm:scene3d>
+      <a:camera prst="orthographicFront"/>
+      <a:lightRig rig="threePt" dir="t"/>
+    </dgm:scene3d>
+    <dgm:sp3d/>
+    <dgm:txPr/>
+    <dgm:style>
+      <a:lnRef idx="0">
+        <a:scrgbClr r="0" g="0" b="0"/>
+      </a:lnRef>
+      <a:fillRef idx="1">
+        <a:scrgbClr r="0" g="0" b="0"/>
+      </a:fillRef>
+      <a:effectRef idx="1">
+        <a:scrgbClr r="0" g="0" b="0"/>
+      </a:effectRef>
+      <a:fontRef idx="minor">
+        <a:schemeClr val="lt1"/>
+      </a:fontRef>
+    </dgm:style>
+  </dgm:styleLbl>
+  <dgm:styleLbl name="sibTrans1D1">
+    <dgm:scene3d>
+      <a:camera prst="orthographicFront"/>
+      <a:lightRig rig="threePt" dir="t"/>
+    </dgm:scene3d>
+    <dgm:sp3d/>
+    <dgm:txPr/>
+    <dgm:style>
+      <a:lnRef idx="1">
+        <a:scrgbClr r="0" g="0" b="0"/>
+      </a:lnRef>
+      <a:fillRef idx="0">
+        <a:scrgbClr r="0" g="0" b="0"/>
+      </a:fillRef>
+      <a:effectRef idx="0">
+        <a:scrgbClr r="0" g="0" b="0"/>
+      </a:effectRef>
+      <a:fontRef idx="minor"/>
+    </dgm:style>
+  </dgm:styleLbl>
+  <dgm:styleLbl name="callout">
+    <dgm:scene3d>
+      <a:camera prst="orthographicFront"/>
+      <a:lightRig rig="threePt" dir="t"/>
+    </dgm:scene3d>
+    <dgm:sp3d/>
+    <dgm:txPr/>
+    <dgm:style>
+      <a:lnRef idx="2">
+        <a:scrgbClr r="0" g="0" b="0"/>
+      </a:lnRef>
+      <a:fillRef idx="1">
+        <a:scrgbClr r="0" g="0" b="0"/>
+      </a:fillRef>
+      <a:effectRef idx="1">
+        <a:scrgbClr r="0" g="0" b="0"/>
+      </a:effectRef>
+      <a:fontRef idx="minor"/>
+    </dgm:style>
+  </dgm:styleLbl>
+  <dgm:styleLbl name="asst0">
+    <dgm:scene3d>
+      <a:camera prst="orthographicFront"/>
+      <a:lightRig rig="threePt" dir="t"/>
+    </dgm:scene3d>
+    <dgm:sp3d/>
+    <dgm:txPr/>
+    <dgm:style>
+      <a:lnRef idx="3">
+        <a:scrgbClr r="0" g="0" b="0"/>
+      </a:lnRef>
+      <a:fillRef idx="1">
+        <a:scrgbClr r="0" g="0" b="0"/>
+      </a:fillRef>
+      <a:effectRef idx="1">
+        <a:scrgbClr r="0" g="0" b="0"/>
+      </a:effectRef>
+      <a:fontRef idx="minor">
+        <a:schemeClr val="lt1"/>
+      </a:fontRef>
+    </dgm:style>
+  </dgm:styleLbl>
+  <dgm:styleLbl name="asst1">
+    <dgm:scene3d>
+      <a:camera prst="orthographicFront"/>
+      <a:lightRig rig="threePt" dir="t"/>
+    </dgm:scene3d>
+    <dgm:sp3d/>
+    <dgm:txPr/>
+    <dgm:style>
+      <a:lnRef idx="3">
+        <a:scrgbClr r="0" g="0" b="0"/>
+      </a:lnRef>
+      <a:fillRef idx="1">
+        <a:scrgbClr r="0" g="0" b="0"/>
+      </a:fillRef>
+      <a:effectRef idx="1">
+        <a:scrgbClr r="0" g="0" b="0"/>
+      </a:effectRef>
+      <a:fontRef idx="minor">
+        <a:schemeClr val="lt1"/>
+      </a:fontRef>
+    </dgm:style>
+  </dgm:styleLbl>
+  <dgm:styleLbl name="asst2">
+    <dgm:scene3d>
+      <a:camera prst="orthographicFront"/>
+      <a:lightRig rig="threePt" dir="t"/>
+    </dgm:scene3d>
+    <dgm:sp3d/>
+    <dgm:txPr/>
+    <dgm:style>
+      <a:lnRef idx="3">
+        <a:scrgbClr r="0" g="0" b="0"/>
+      </a:lnRef>
+      <a:fillRef idx="1">
+        <a:scrgbClr r="0" g="0" b="0"/>
+      </a:fillRef>
+      <a:effectRef idx="1">
+        <a:scrgbClr r="0" g="0" b="0"/>
+      </a:effectRef>
+      <a:fontRef idx="minor">
+        <a:schemeClr val="lt1"/>
+      </a:fontRef>
+    </dgm:style>
+  </dgm:styleLbl>
+  <dgm:styleLbl name="asst3">
+    <dgm:scene3d>
+      <a:camera prst="orthographicFront"/>
+      <a:lightRig rig="threePt" dir="t"/>
+    </dgm:scene3d>
+    <dgm:sp3d/>
+    <dgm:txPr/>
+    <dgm:style>
+      <a:lnRef idx="3">
+        <a:scrgbClr r="0" g="0" b="0"/>
+      </a:lnRef>
+      <a:fillRef idx="1">
+        <a:scrgbClr r="0" g="0" b="0"/>
+      </a:fillRef>
+      <a:effectRef idx="1">
+        <a:scrgbClr r="0" g="0" b="0"/>
+      </a:effectRef>
+      <a:fontRef idx="minor">
+        <a:schemeClr val="lt1"/>
+      </a:fontRef>
+    </dgm:style>
+  </dgm:styleLbl>
+  <dgm:styleLbl name="asst4">
+    <dgm:scene3d>
+      <a:camera prst="orthographicFront"/>
+      <a:lightRig rig="threePt" dir="t"/>
+    </dgm:scene3d>
+    <dgm:sp3d/>
+    <dgm:txPr/>
+    <dgm:style>
+      <a:lnRef idx="3">
+        <a:scrgbClr r="0" g="0" b="0"/>
+      </a:lnRef>
+      <a:fillRef idx="1">
+        <a:scrgbClr r="0" g="0" b="0"/>
+      </a:fillRef>
+      <a:effectRef idx="1">
+        <a:scrgbClr r="0" g="0" b="0"/>
+      </a:effectRef>
+      <a:fontRef idx="minor">
+        <a:schemeClr val="lt1"/>
+      </a:fontRef>
+    </dgm:style>
+  </dgm:styleLbl>
+  <dgm:styleLbl name="parChTrans2D1">
+    <dgm:scene3d>
+      <a:camera prst="orthographicFront"/>
+      <a:lightRig rig="threePt" dir="t"/>
+    </dgm:scene3d>
+    <dgm:sp3d/>
+    <dgm:txPr/>
+    <dgm:style>
+      <a:lnRef idx="3">
+        <a:scrgbClr r="0" g="0" b="0"/>
+      </a:lnRef>
+      <a:fillRef idx="1">
+        <a:scrgbClr r="0" g="0" b="0"/>
+      </a:fillRef>
+      <a:effectRef idx="1">
+        <a:scrgbClr r="0" g="0" b="0"/>
+      </a:effectRef>
+      <a:fontRef idx="minor">
+        <a:schemeClr val="lt1"/>
+      </a:fontRef>
+    </dgm:style>
+  </dgm:styleLbl>
+  <dgm:styleLbl name="parChTrans2D2">
+    <dgm:scene3d>
+      <a:camera prst="orthographicFront"/>
+      <a:lightRig rig="threePt" dir="t"/>
+    </dgm:scene3d>
+    <dgm:sp3d/>
+    <dgm:txPr/>
+    <dgm:style>
+      <a:lnRef idx="3">
+        <a:scrgbClr r="0" g="0" b="0"/>
+      </a:lnRef>
+      <a:fillRef idx="1">
+        <a:scrgbClr r="0" g="0" b="0"/>
+      </a:fillRef>
+      <a:effectRef idx="1">
+        <a:scrgbClr r="0" g="0" b="0"/>
+      </a:effectRef>
+      <a:fontRef idx="minor">
+        <a:schemeClr val="lt1"/>
+      </a:fontRef>
+    </dgm:style>
+  </dgm:styleLbl>
+  <dgm:styleLbl name="parChTrans2D3">
+    <dgm:scene3d>
+      <a:camera prst="orthographicFront"/>
+      <a:lightRig rig="threePt" dir="t"/>
+    </dgm:scene3d>
+    <dgm:sp3d/>
+    <dgm:txPr/>
+    <dgm:style>
+      <a:lnRef idx="3">
+        <a:scrgbClr r="0" g="0" b="0"/>
+      </a:lnRef>
+      <a:fillRef idx="1">
+        <a:scrgbClr r="0" g="0" b="0"/>
+      </a:fillRef>
+      <a:effectRef idx="1">
+        <a:scrgbClr r="0" g="0" b="0"/>
+      </a:effectRef>
+      <a:fontRef idx="minor">
+        <a:schemeClr val="lt1"/>
+      </a:fontRef>
+    </dgm:style>
+  </dgm:styleLbl>
+  <dgm:styleLbl name="parChTrans2D4">
+    <dgm:scene3d>
+      <a:camera prst="orthographicFront"/>
+      <a:lightRig rig="threePt" dir="t"/>
+    </dgm:scene3d>
+    <dgm:sp3d/>
+    <dgm:txPr/>
+    <dgm:style>
+      <a:lnRef idx="3">
+        <a:scrgbClr r="0" g="0" b="0"/>
+      </a:lnRef>
+      <a:fillRef idx="1">
+        <a:scrgbClr r="0" g="0" b="0"/>
+      </a:fillRef>
+      <a:effectRef idx="1">
+        <a:scrgbClr r="0" g="0" b="0"/>
+      </a:effectRef>
+      <a:fontRef idx="minor">
+        <a:schemeClr val="lt1"/>
+      </a:fontRef>
+    </dgm:style>
+  </dgm:styleLbl>
+  <dgm:styleLbl name="parChTrans1D1">
+    <dgm:scene3d>
+      <a:camera prst="orthographicFront"/>
+      <a:lightRig rig="threePt" dir="t"/>
+    </dgm:scene3d>
+    <dgm:sp3d/>
+    <dgm:txPr/>
+    <dgm:style>
+      <a:lnRef idx="2">
+        <a:scrgbClr r="0" g="0" b="0"/>
+      </a:lnRef>
+      <a:fillRef idx="0">
+        <a:scrgbClr r="0" g="0" b="0"/>
+      </a:fillRef>
+      <a:effectRef idx="0">
+        <a:scrgbClr r="0" g="0" b="0"/>
+      </a:effectRef>
+      <a:fontRef idx="minor"/>
+    </dgm:style>
+  </dgm:styleLbl>
+  <dgm:styleLbl name="parChTrans1D2">
+    <dgm:scene3d>
+      <a:camera prst="orthographicFront"/>
+      <a:lightRig rig="threePt" dir="t"/>
+    </dgm:scene3d>
+    <dgm:sp3d/>
+    <dgm:txPr/>
+    <dgm:style>
+      <a:lnRef idx="2">
+        <a:scrgbClr r="0" g="0" b="0"/>
+      </a:lnRef>
+      <a:fillRef idx="0">
+        <a:scrgbClr r="0" g="0" b="0"/>
+      </a:fillRef>
+      <a:effectRef idx="0">
+        <a:scrgbClr r="0" g="0" b="0"/>
+      </a:effectRef>
+      <a:fontRef idx="minor"/>
+    </dgm:style>
+  </dgm:styleLbl>
+  <dgm:styleLbl name="parChTrans1D3">
+    <dgm:scene3d>
+      <a:camera prst="orthographicFront"/>
+      <a:lightRig rig="threePt" dir="t"/>
+    </dgm:scene3d>
+    <dgm:sp3d/>
+    <dgm:txPr/>
+    <dgm:style>
+      <a:lnRef idx="2">
+        <a:scrgbClr r="0" g="0" b="0"/>
+      </a:lnRef>
+      <a:fillRef idx="0">
+        <a:scrgbClr r="0" g="0" b="0"/>
+      </a:fillRef>
+      <a:effectRef idx="0">
+        <a:scrgbClr r="0" g="0" b="0"/>
+      </a:effectRef>
+      <a:fontRef idx="minor"/>
+    </dgm:style>
+  </dgm:styleLbl>
+  <dgm:styleLbl name="parChTrans1D4">
+    <dgm:scene3d>
+      <a:camera prst="orthographicFront"/>
+      <a:lightRig rig="threePt" dir="t"/>
+    </dgm:scene3d>
+    <dgm:sp3d/>
+    <dgm:txPr/>
+    <dgm:style>
+      <a:lnRef idx="2">
+        <a:scrgbClr r="0" g="0" b="0"/>
+      </a:lnRef>
+      <a:fillRef idx="0">
+        <a:scrgbClr r="0" g="0" b="0"/>
+      </a:fillRef>
+      <a:effectRef idx="0">
+        <a:scrgbClr r="0" g="0" b="0"/>
+      </a:effectRef>
+      <a:fontRef idx="minor"/>
+    </dgm:style>
+  </dgm:styleLbl>
+  <dgm:styleLbl name="fgAcc1">
+    <dgm:scene3d>
+      <a:camera prst="orthographicFront"/>
+      <a:lightRig rig="threePt" dir="t"/>
+    </dgm:scene3d>
+    <dgm:sp3d/>
+    <dgm:txPr/>
+    <dgm:style>
+      <a:lnRef idx="2">
+        <a:scrgbClr r="0" g="0" b="0"/>
+      </a:lnRef>
+      <a:fillRef idx="1">
+        <a:scrgbClr r="0" g="0" b="0"/>
+      </a:fillRef>
+      <a:effectRef idx="0">
+        <a:scrgbClr r="0" g="0" b="0"/>
+      </a:effectRef>
+      <a:fontRef idx="minor"/>
+    </dgm:style>
+  </dgm:styleLbl>
+  <dgm:styleLbl name="conFgAcc1">
+    <dgm:scene3d>
+      <a:camera prst="orthographicFront"/>
+      <a:lightRig rig="threePt" dir="t"/>
+    </dgm:scene3d>
+    <dgm:sp3d/>
+    <dgm:txPr/>
+    <dgm:style>
+      <a:lnRef idx="2">
+        <a:scrgbClr r="0" g="0" b="0"/>
+      </a:lnRef>
+      <a:fillRef idx="1">
+        <a:scrgbClr r="0" g="0" b="0"/>
+      </a:fillRef>
+      <a:effectRef idx="0">
+        <a:scrgbClr r="0" g="0" b="0"/>
+      </a:effectRef>
+      <a:fontRef idx="minor"/>
+    </dgm:style>
+  </dgm:styleLbl>
+  <dgm:styleLbl name="alignAcc1">
+    <dgm:scene3d>
+      <a:camera prst="orthographicFront"/>
+      <a:lightRig rig="threePt" dir="t"/>
+    </dgm:scene3d>
+    <dgm:sp3d/>
+    <dgm:txPr/>
+    <dgm:style>
+      <a:lnRef idx="2">
+        <a:scrgbClr r="0" g="0" b="0"/>
+      </a:lnRef>
+      <a:fillRef idx="1">
+        <a:scrgbClr r="0" g="0" b="0"/>
+      </a:fillRef>
+      <a:effectRef idx="0">
+        <a:scrgbClr r="0" g="0" b="0"/>
+      </a:effectRef>
+      <a:fontRef idx="minor"/>
+    </dgm:style>
+  </dgm:styleLbl>
+  <dgm:styleLbl name="trAlignAcc1">
+    <dgm:scene3d>
+      <a:camera prst="orthographicFront"/>
+      <a:lightRig rig="threePt" dir="t"/>
+    </dgm:scene3d>
+    <dgm:sp3d/>
+    <dgm:txPr/>
+    <dgm:style>
+      <a:lnRef idx="1">
+        <a:scrgbClr r="0" g="0" b="0"/>
+      </a:lnRef>
+      <a:fillRef idx="1">
+        <a:scrgbClr r="0" g="0" b="0"/>
+      </a:fillRef>
+      <a:effectRef idx="0">
+        <a:scrgbClr r="0" g="0" b="0"/>
+      </a:effectRef>
+      <a:fontRef idx="minor"/>
+    </dgm:style>
+  </dgm:styleLbl>
+  <dgm:styleLbl name="bgAcc1">
+    <dgm:scene3d>
+      <a:camera prst="orthographicFront"/>
+      <a:lightRig rig="threePt" dir="t"/>
+    </dgm:scene3d>
+    <dgm:sp3d/>
+    <dgm:txPr/>
+    <dgm:style>
+      <a:lnRef idx="2">
+        <a:scrgbClr r="0" g="0" b="0"/>
+      </a:lnRef>
+      <a:fillRef idx="1">
+        <a:scrgbClr r="0" g="0" b="0"/>
+      </a:fillRef>
+      <a:effectRef idx="0">
+        <a:scrgbClr r="0" g="0" b="0"/>
+      </a:effectRef>
+      <a:fontRef idx="minor"/>
+    </dgm:style>
+  </dgm:styleLbl>
+  <dgm:styleLbl name="solidFgAcc1">
+    <dgm:scene3d>
+      <a:camera prst="orthographicFront"/>
+      <a:lightRig rig="threePt" dir="t"/>
+    </dgm:scene3d>
+    <dgm:sp3d/>
+    <dgm:txPr/>
+    <dgm:style>
+      <a:lnRef idx="2">
+        <a:scrgbClr r="0" g="0" b="0"/>
+      </a:lnRef>
+      <a:fillRef idx="1">
+        <a:scrgbClr r="0" g="0" b="0"/>
+      </a:fillRef>
+      <a:effectRef idx="0">
+        <a:scrgbClr r="0" g="0" b="0"/>
+      </a:effectRef>
+      <a:fontRef idx="minor"/>
+    </dgm:style>
+  </dgm:styleLbl>
+  <dgm:styleLbl name="solidAlignAcc1">
+    <dgm:scene3d>
+      <a:camera prst="orthographicFront"/>
+      <a:lightRig rig="threePt" dir="t"/>
+    </dgm:scene3d>
+    <dgm:sp3d/>
+    <dgm:txPr/>
+    <dgm:style>
+      <a:lnRef idx="2">
+        <a:scrgbClr r="0" g="0" b="0"/>
+      </a:lnRef>
+      <a:fillRef idx="1">
+        <a:scrgbClr r="0" g="0" b="0"/>
+      </a:fillRef>
+      <a:effectRef idx="0">
+        <a:scrgbClr r="0" g="0" b="0"/>
+      </a:effectRef>
+      <a:fontRef idx="minor"/>
+    </dgm:style>
+  </dgm:styleLbl>
+  <dgm:styleLbl name="solidBgAcc1">
+    <dgm:scene3d>
+      <a:camera prst="orthographicFront"/>
+      <a:lightRig rig="threePt" dir="t"/>
+    </dgm:scene3d>
+    <dgm:sp3d/>
+    <dgm:txPr/>
+    <dgm:style>
+      <a:lnRef idx="2">
+        <a:scrgbClr r="0" g="0" b="0"/>
+      </a:lnRef>
+      <a:fillRef idx="1">
+        <a:scrgbClr r="0" g="0" b="0"/>
+      </a:fillRef>
+      <a:effectRef idx="0">
+        <a:scrgbClr r="0" g="0" b="0"/>
+      </a:effectRef>
+      <a:fontRef idx="minor"/>
+    </dgm:style>
+  </dgm:styleLbl>
+  <dgm:styleLbl name="fgAccFollowNode1">
+    <dgm:scene3d>
+      <a:camera prst="orthographicFront"/>
+      <a:lightRig rig="threePt" dir="t"/>
+    </dgm:scene3d>
+    <dgm:sp3d/>
+    <dgm:txPr/>
+    <dgm:style>
+      <a:lnRef idx="2">
+        <a:scrgbClr r="0" g="0" b="0"/>
+      </a:lnRef>
+      <a:fillRef idx="1">
+        <a:scrgbClr r="0" g="0" b="0"/>
+      </a:fillRef>
+      <a:effectRef idx="0">
+        <a:scrgbClr r="0" g="0" b="0"/>
+      </a:effectRef>
+      <a:fontRef idx="minor"/>
+    </dgm:style>
+  </dgm:styleLbl>
+  <dgm:styleLbl name="alignAccFollowNode1">
+    <dgm:scene3d>
+      <a:camera prst="orthographicFront"/>
+      <a:lightRig rig="threePt" dir="t"/>
+    </dgm:scene3d>
+    <dgm:sp3d/>
+    <dgm:txPr/>
+    <dgm:style>
+      <a:lnRef idx="2">
+        <a:scrgbClr r="0" g="0" b="0"/>
+      </a:lnRef>
+      <a:fillRef idx="1">
+        <a:scrgbClr r="0" g="0" b="0"/>
+      </a:fillRef>
+      <a:effectRef idx="0">
+        <a:scrgbClr r="0" g="0" b="0"/>
+      </a:effectRef>
+      <a:fontRef idx="minor"/>
+    </dgm:style>
+  </dgm:styleLbl>
+  <dgm:styleLbl name="bgAccFollowNode1">
+    <dgm:scene3d>
+      <a:camera prst="orthographicFront"/>
+      <a:lightRig rig="threePt" dir="t"/>
+    </dgm:scene3d>
+    <dgm:sp3d/>
+    <dgm:txPr/>
+    <dgm:style>
+      <a:lnRef idx="2">
+        <a:scrgbClr r="0" g="0" b="0"/>
+      </a:lnRef>
+      <a:fillRef idx="1">
+        <a:scrgbClr r="0" g="0" b="0"/>
+      </a:fillRef>
+      <a:effectRef idx="0">
+        <a:scrgbClr r="0" g="0" b="0"/>
+      </a:effectRef>
+      <a:fontRef idx="minor"/>
+    </dgm:style>
+  </dgm:styleLbl>
+  <dgm:styleLbl name="fgAcc0">
+    <dgm:scene3d>
+      <a:camera prst="orthographicFront"/>
+      <a:lightRig rig="threePt" dir="t"/>
+    </dgm:scene3d>
+    <dgm:sp3d/>
+    <dgm:txPr/>
+    <dgm:style>
+      <a:lnRef idx="2">
+        <a:scrgbClr r="0" g="0" b="0"/>
+      </a:lnRef>
+      <a:fillRef idx="1">
+        <a:scrgbClr r="0" g="0" b="0"/>
+      </a:fillRef>
+      <a:effectRef idx="0">
+        <a:scrgbClr r="0" g="0" b="0"/>
+      </a:effectRef>
+      <a:fontRef idx="minor"/>
+    </dgm:style>
+  </dgm:styleLbl>
+  <dgm:styleLbl name="fgAcc2">
+    <dgm:scene3d>
+      <a:camera prst="orthographicFront"/>
+      <a:lightRig rig="threePt" dir="t"/>
+    </dgm:scene3d>
+    <dgm:sp3d/>
+    <dgm:txPr/>
+    <dgm:style>
+      <a:lnRef idx="2">
+        <a:scrgbClr r="0" g="0" b="0"/>
+      </a:lnRef>
+      <a:fillRef idx="1">
+        <a:scrgbClr r="0" g="0" b="0"/>
+      </a:fillRef>
+      <a:effectRef idx="0">
+        <a:scrgbClr r="0" g="0" b="0"/>
+      </a:effectRef>
+      <a:fontRef idx="minor"/>
+    </dgm:style>
+  </dgm:styleLbl>
+  <dgm:styleLbl name="fgAcc3">
+    <dgm:scene3d>
+      <a:camera prst="orthographicFront"/>
+      <a:lightRig rig="threePt" dir="t"/>
+    </dgm:scene3d>
+    <dgm:sp3d/>
+    <dgm:txPr/>
+    <dgm:style>
+      <a:lnRef idx="2">
+        <a:scrgbClr r="0" g="0" b="0"/>
+      </a:lnRef>
+      <a:fillRef idx="1">
+        <a:scrgbClr r="0" g="0" b="0"/>
+      </a:fillRef>
+      <a:effectRef idx="0">
+        <a:scrgbClr r="0" g="0" b="0"/>
+      </a:effectRef>
+      <a:fontRef idx="minor"/>
+    </dgm:style>
+  </dgm:styleLbl>
+  <dgm:styleLbl name="fgAcc4">
+    <dgm:scene3d>
+      <a:camera prst="orthographicFront"/>
+      <a:lightRig rig="threePt" dir="t"/>
+    </dgm:scene3d>
+    <dgm:sp3d/>
+    <dgm:txPr/>
+    <dgm:style>
+      <a:lnRef idx="2">
+        <a:scrgbClr r="0" g="0" b="0"/>
+      </a:lnRef>
+      <a:fillRef idx="1">
+        <a:scrgbClr r="0" g="0" b="0"/>
+      </a:fillRef>
+      <a:effectRef idx="0">
+        <a:scrgbClr r="0" g="0" b="0"/>
+      </a:effectRef>
+      <a:fontRef idx="minor"/>
+    </dgm:style>
+  </dgm:styleLbl>
+  <dgm:styleLbl name="bgShp">
+    <dgm:scene3d>
+      <a:camera prst="orthographicFront"/>
+      <a:lightRig rig="threePt" dir="t"/>
+    </dgm:scene3d>
+    <dgm:sp3d/>
+    <dgm:txPr/>
+    <dgm:style>
+      <a:lnRef idx="0">
+        <a:scrgbClr r="0" g="0" b="0"/>
+      </a:lnRef>
+      <a:fillRef idx="1">
+        <a:scrgbClr r="0" g="0" b="0"/>
+      </a:fillRef>
+      <a:effectRef idx="0">
+        <a:scrgbClr r="0" g="0" b="0"/>
+      </a:effectRef>
+      <a:fontRef idx="minor"/>
+    </dgm:style>
+  </dgm:styleLbl>
+  <dgm:styleLbl name="dkBgShp">
+    <dgm:scene3d>
+      <a:camera prst="orthographicFront"/>
+      <a:lightRig rig="threePt" dir="t"/>
+    </dgm:scene3d>
+    <dgm:sp3d/>
+    <dgm:txPr/>
+    <dgm:style>
+      <a:lnRef idx="0">
+        <a:scrgbClr r="0" g="0" b="0"/>
+      </a:lnRef>
+      <a:fillRef idx="1">
+        <a:scrgbClr r="0" g="0" b="0"/>
+      </a:fillRef>
+      <a:effectRef idx="0">
+        <a:scrgbClr r="0" g="0" b="0"/>
+      </a:effectRef>
+      <a:fontRef idx="minor"/>
+    </dgm:style>
+  </dgm:styleLbl>
+  <dgm:styleLbl name="trBgShp">
+    <dgm:scene3d>
+      <a:camera prst="orthographicFront"/>
+      <a:lightRig rig="threePt" dir="t"/>
+    </dgm:scene3d>
+    <dgm:sp3d/>
+    <dgm:txPr/>
+    <dgm:style>
+      <a:lnRef idx="0">
+        <a:scrgbClr r="0" g="0" b="0"/>
+      </a:lnRef>
+      <a:fillRef idx="1">
+        <a:scrgbClr r="0" g="0" b="0"/>
+      </a:fillRef>
+      <a:effectRef idx="0">
+        <a:scrgbClr r="0" g="0" b="0"/>
+      </a:effectRef>
+      <a:fontRef idx="minor"/>
+    </dgm:style>
+  </dgm:styleLbl>
+  <dgm:styleLbl name="fgShp">
+    <dgm:scene3d>
+      <a:camera prst="orthographicFront"/>
+      <a:lightRig rig="threePt" dir="t"/>
+    </dgm:scene3d>
+    <dgm:sp3d/>
+    <dgm:txPr/>
+    <dgm:style>
+      <a:lnRef idx="3">
+        <a:scrgbClr r="0" g="0" b="0"/>
+      </a:lnRef>
+      <a:fillRef idx="1">
+        <a:scrgbClr r="0" g="0" b="0"/>
+      </a:fillRef>
+      <a:effectRef idx="1">
+        <a:scrgbClr r="0" g="0" b="0"/>
+      </a:effectRef>
+      <a:fontRef idx="minor"/>
+    </dgm:style>
+  </dgm:styleLbl>
+  <dgm:styleLbl name="revTx">
+    <dgm:scene3d>
+      <a:camera prst="orthographicFront"/>
+      <a:lightRig rig="threePt" dir="t"/>
+    </dgm:scene3d>
+    <dgm:sp3d/>
+    <dgm:txPr/>
+    <dgm:style>
+      <a:lnRef idx="0">
+        <a:scrgbClr r="0" g="0" b="0"/>
+      </a:lnRef>
+      <a:fillRef idx="0">
+        <a:scrgbClr r="0" g="0" b="0"/>
+      </a:fillRef>
+      <a:effectRef idx="0">
+        <a:scrgbClr r="0" g="0" b="0"/>
+      </a:effectRef>
+      <a:fontRef idx="minor"/>
+    </dgm:style>
+  </dgm:styleLbl>
+</dgm:styleDef>
 </file>
 
 <file path=ppt/notesMasters/notesMaster1.xml><?xml version="1.0" encoding="utf-8"?>
@@ -2137,6 +5094,18 @@
   <p:clrMapOvr>
     <a:masterClrMapping/>
   </p:clrMapOvr>
+  <mc:AlternateContent xmlns:mc="http://schemas.openxmlformats.org/markup-compatibility/2006">
+    <mc:Choice xmlns:p159="http://schemas.microsoft.com/office/powerpoint/2015/09/main" Requires="p159">
+      <p:transition xmlns:p14="http://schemas.microsoft.com/office/powerpoint/2010/main" spd="slow" p14:dur="2000">
+        <p159:morph option="byObject"/>
+      </p:transition>
+    </mc:Choice>
+    <mc:Fallback>
+      <p:transition spd="slow">
+        <p:fade/>
+      </p:transition>
+    </mc:Fallback>
+  </mc:AlternateContent>
 </p:sldLayout>
 </file>
 
@@ -2860,6 +5829,18 @@
   <p:clrMapOvr>
     <a:masterClrMapping/>
   </p:clrMapOvr>
+  <mc:AlternateContent xmlns:mc="http://schemas.openxmlformats.org/markup-compatibility/2006">
+    <mc:Choice xmlns:p159="http://schemas.microsoft.com/office/powerpoint/2015/09/main" Requires="p159">
+      <p:transition xmlns:p14="http://schemas.microsoft.com/office/powerpoint/2010/main" spd="slow" p14:dur="2000">
+        <p159:morph option="byObject"/>
+      </p:transition>
+    </mc:Choice>
+    <mc:Fallback>
+      <p:transition spd="slow">
+        <p:fade/>
+      </p:transition>
+    </mc:Fallback>
+  </mc:AlternateContent>
 </p:sldLayout>
 </file>
 
@@ -2893,6 +5874,18 @@
   <p:clrMapOvr>
     <a:masterClrMapping/>
   </p:clrMapOvr>
+  <mc:AlternateContent xmlns:mc="http://schemas.openxmlformats.org/markup-compatibility/2006">
+    <mc:Choice xmlns:p159="http://schemas.microsoft.com/office/powerpoint/2015/09/main" Requires="p159">
+      <p:transition xmlns:p14="http://schemas.microsoft.com/office/powerpoint/2010/main" spd="slow" p14:dur="2000">
+        <p159:morph option="byObject"/>
+      </p:transition>
+    </mc:Choice>
+    <mc:Fallback>
+      <p:transition spd="slow">
+        <p:fade/>
+      </p:transition>
+    </mc:Fallback>
+  </mc:AlternateContent>
 </p:sldLayout>
 </file>
 
@@ -6615,6 +9608,18 @@
   <p:clrMapOvr>
     <a:masterClrMapping/>
   </p:clrMapOvr>
+  <mc:AlternateContent xmlns:mc="http://schemas.openxmlformats.org/markup-compatibility/2006">
+    <mc:Choice xmlns:p159="http://schemas.microsoft.com/office/powerpoint/2015/09/main" Requires="p159">
+      <p:transition xmlns:p14="http://schemas.microsoft.com/office/powerpoint/2010/main" spd="slow" p14:dur="2000">
+        <p159:morph option="byObject"/>
+      </p:transition>
+    </mc:Choice>
+    <mc:Fallback>
+      <p:transition spd="slow">
+        <p:fade/>
+      </p:transition>
+    </mc:Fallback>
+  </mc:AlternateContent>
 </p:sldLayout>
 </file>
 
@@ -6982,373 +9987,18 @@
   <p:clrMapOvr>
     <a:masterClrMapping/>
   </p:clrMapOvr>
-</p:sldLayout>
-</file>
-
-<file path=ppt/slideLayouts/slideLayout6.xml><?xml version="1.0" encoding="utf-8"?>
-<p:sldLayout xmlns:a="http://schemas.openxmlformats.org/drawingml/2006/main" xmlns:r="http://schemas.openxmlformats.org/officeDocument/2006/relationships" xmlns:p="http://schemas.openxmlformats.org/presentationml/2006/main" matchingName="Background 2">
-  <p:cSld name="SECTION_TITLE_AND_DESCRIPTION_1_1">
-    <p:spTree>
-      <p:nvGrpSpPr>
-        <p:cNvPr id="1" name="Shape 239"/>
-        <p:cNvGrpSpPr/>
-        <p:nvPr/>
-      </p:nvGrpSpPr>
-      <p:grpSpPr>
-        <a:xfrm>
-          <a:off x="0" y="0"/>
-          <a:ext cx="0" cy="0"/>
-          <a:chOff x="0" y="0"/>
-          <a:chExt cx="0" cy="0"/>
-        </a:xfrm>
-      </p:grpSpPr>
-      <p:sp>
-        <p:nvSpPr>
-          <p:cNvPr id="240" name="Google Shape;240;p28"/>
-          <p:cNvSpPr txBox="1">
-            <a:spLocks noGrp="1"/>
-          </p:cNvSpPr>
-          <p:nvPr>
-            <p:ph type="sldNum" idx="12"/>
-          </p:nvPr>
-        </p:nvSpPr>
-        <p:spPr>
-          <a:xfrm>
-            <a:off x="357525" y="4513500"/>
-            <a:ext cx="410700" cy="432300"/>
-          </a:xfrm>
-          <a:prstGeom prst="rect">
-            <a:avLst/>
-          </a:prstGeom>
-          <a:solidFill>
-            <a:schemeClr val="dk2"/>
-          </a:solidFill>
-          <a:ln>
-            <a:noFill/>
-          </a:ln>
-        </p:spPr>
-        <p:txBody>
-          <a:bodyPr spcFirstLastPara="1" wrap="square" lIns="91425" tIns="91425" rIns="91425" bIns="91425" anchor="ctr" anchorCtr="0">
-            <a:noAutofit/>
-          </a:bodyPr>
-          <a:lstStyle>
-            <a:lvl1pPr lvl="0" algn="ctr" rtl="0">
-              <a:buNone/>
-              <a:defRPr sz="1000" b="1">
-                <a:solidFill>
-                  <a:schemeClr val="dk1"/>
-                </a:solidFill>
-                <a:latin typeface="Josefin Sans"/>
-                <a:ea typeface="Josefin Sans"/>
-                <a:cs typeface="Josefin Sans"/>
-                <a:sym typeface="Josefin Sans"/>
-              </a:defRPr>
-            </a:lvl1pPr>
-            <a:lvl2pPr lvl="1" algn="ctr" rtl="0">
-              <a:buNone/>
-              <a:defRPr sz="1000" b="1">
-                <a:solidFill>
-                  <a:schemeClr val="dk1"/>
-                </a:solidFill>
-                <a:latin typeface="Josefin Sans"/>
-                <a:ea typeface="Josefin Sans"/>
-                <a:cs typeface="Josefin Sans"/>
-                <a:sym typeface="Josefin Sans"/>
-              </a:defRPr>
-            </a:lvl2pPr>
-            <a:lvl3pPr lvl="2" algn="ctr" rtl="0">
-              <a:buNone/>
-              <a:defRPr sz="1000" b="1">
-                <a:solidFill>
-                  <a:schemeClr val="dk1"/>
-                </a:solidFill>
-                <a:latin typeface="Josefin Sans"/>
-                <a:ea typeface="Josefin Sans"/>
-                <a:cs typeface="Josefin Sans"/>
-                <a:sym typeface="Josefin Sans"/>
-              </a:defRPr>
-            </a:lvl3pPr>
-            <a:lvl4pPr lvl="3" algn="ctr" rtl="0">
-              <a:buNone/>
-              <a:defRPr sz="1000" b="1">
-                <a:solidFill>
-                  <a:schemeClr val="dk1"/>
-                </a:solidFill>
-                <a:latin typeface="Josefin Sans"/>
-                <a:ea typeface="Josefin Sans"/>
-                <a:cs typeface="Josefin Sans"/>
-                <a:sym typeface="Josefin Sans"/>
-              </a:defRPr>
-            </a:lvl4pPr>
-            <a:lvl5pPr lvl="4" algn="ctr" rtl="0">
-              <a:buNone/>
-              <a:defRPr sz="1000" b="1">
-                <a:solidFill>
-                  <a:schemeClr val="dk1"/>
-                </a:solidFill>
-                <a:latin typeface="Josefin Sans"/>
-                <a:ea typeface="Josefin Sans"/>
-                <a:cs typeface="Josefin Sans"/>
-                <a:sym typeface="Josefin Sans"/>
-              </a:defRPr>
-            </a:lvl5pPr>
-            <a:lvl6pPr lvl="5" algn="ctr" rtl="0">
-              <a:buNone/>
-              <a:defRPr sz="1000" b="1">
-                <a:solidFill>
-                  <a:schemeClr val="dk1"/>
-                </a:solidFill>
-                <a:latin typeface="Josefin Sans"/>
-                <a:ea typeface="Josefin Sans"/>
-                <a:cs typeface="Josefin Sans"/>
-                <a:sym typeface="Josefin Sans"/>
-              </a:defRPr>
-            </a:lvl6pPr>
-            <a:lvl7pPr lvl="6" algn="ctr" rtl="0">
-              <a:buNone/>
-              <a:defRPr sz="1000" b="1">
-                <a:solidFill>
-                  <a:schemeClr val="dk1"/>
-                </a:solidFill>
-                <a:latin typeface="Josefin Sans"/>
-                <a:ea typeface="Josefin Sans"/>
-                <a:cs typeface="Josefin Sans"/>
-                <a:sym typeface="Josefin Sans"/>
-              </a:defRPr>
-            </a:lvl7pPr>
-            <a:lvl8pPr lvl="7" algn="ctr" rtl="0">
-              <a:buNone/>
-              <a:defRPr sz="1000" b="1">
-                <a:solidFill>
-                  <a:schemeClr val="dk1"/>
-                </a:solidFill>
-                <a:latin typeface="Josefin Sans"/>
-                <a:ea typeface="Josefin Sans"/>
-                <a:cs typeface="Josefin Sans"/>
-                <a:sym typeface="Josefin Sans"/>
-              </a:defRPr>
-            </a:lvl8pPr>
-            <a:lvl9pPr lvl="8" algn="ctr" rtl="0">
-              <a:buNone/>
-              <a:defRPr sz="1000" b="1">
-                <a:solidFill>
-                  <a:schemeClr val="dk1"/>
-                </a:solidFill>
-                <a:latin typeface="Josefin Sans"/>
-                <a:ea typeface="Josefin Sans"/>
-                <a:cs typeface="Josefin Sans"/>
-                <a:sym typeface="Josefin Sans"/>
-              </a:defRPr>
-            </a:lvl9pPr>
-          </a:lstStyle>
-          <a:p>
-            <a:pPr marL="0" lvl="0" indent="0" algn="ctr" rtl="0">
-              <a:spcBef>
-                <a:spcPts val="0"/>
-              </a:spcBef>
-              <a:spcAft>
-                <a:spcPts val="0"/>
-              </a:spcAft>
-              <a:buNone/>
-            </a:pPr>
-            <a:fld id="{00000000-1234-1234-1234-123412341234}" type="slidenum">
-              <a:rPr lang="en"/>
-              <a:t>‹#›</a:t>
-            </a:fld>
-            <a:endParaRPr/>
-          </a:p>
-        </p:txBody>
-      </p:sp>
-      <p:cxnSp>
-        <p:nvCxnSpPr>
-          <p:cNvPr id="241" name="Google Shape;241;p28"/>
-          <p:cNvCxnSpPr/>
-          <p:nvPr/>
-        </p:nvCxnSpPr>
-        <p:spPr>
-          <a:xfrm rot="10800000">
-            <a:off x="357600" y="705825"/>
-            <a:ext cx="8428800" cy="0"/>
-          </a:xfrm>
-          <a:prstGeom prst="straightConnector1">
-            <a:avLst/>
-          </a:prstGeom>
-          <a:noFill/>
-          <a:ln w="9525" cap="flat" cmpd="sng">
-            <a:solidFill>
-              <a:schemeClr val="dk1"/>
-            </a:solidFill>
-            <a:prstDash val="solid"/>
-            <a:round/>
-            <a:headEnd type="none" w="med" len="med"/>
-            <a:tailEnd type="none" w="med" len="med"/>
-          </a:ln>
-        </p:spPr>
-      </p:cxnSp>
-      <p:cxnSp>
-        <p:nvCxnSpPr>
-          <p:cNvPr id="242" name="Google Shape;242;p28"/>
-          <p:cNvCxnSpPr/>
-          <p:nvPr/>
-        </p:nvCxnSpPr>
-        <p:spPr>
-          <a:xfrm rot="10800000">
-            <a:off x="963900" y="4729650"/>
-            <a:ext cx="7822500" cy="0"/>
-          </a:xfrm>
-          <a:prstGeom prst="straightConnector1">
-            <a:avLst/>
-          </a:prstGeom>
-          <a:noFill/>
-          <a:ln w="9525" cap="flat" cmpd="sng">
-            <a:solidFill>
-              <a:schemeClr val="dk1"/>
-            </a:solidFill>
-            <a:prstDash val="solid"/>
-            <a:round/>
-            <a:headEnd type="none" w="med" len="med"/>
-            <a:tailEnd type="none" w="med" len="med"/>
-          </a:ln>
-        </p:spPr>
-      </p:cxnSp>
-      <p:sp>
-        <p:nvSpPr>
-          <p:cNvPr id="243" name="Google Shape;243;p28"/>
-          <p:cNvSpPr txBox="1">
-            <a:spLocks noGrp="1"/>
-          </p:cNvSpPr>
-          <p:nvPr>
-            <p:ph type="ctrTitle"/>
-          </p:nvPr>
-        </p:nvSpPr>
-        <p:spPr>
-          <a:xfrm>
-            <a:off x="357520" y="234507"/>
-            <a:ext cx="2490900" cy="432300"/>
-          </a:xfrm>
-          <a:prstGeom prst="rect">
-            <a:avLst/>
-          </a:prstGeom>
-        </p:spPr>
-        <p:txBody>
-          <a:bodyPr spcFirstLastPara="1" wrap="square" lIns="91425" tIns="91425" rIns="91425" bIns="91425" anchor="ctr" anchorCtr="0">
-            <a:noAutofit/>
-          </a:bodyPr>
-          <a:lstStyle>
-            <a:lvl1pPr lvl="0" rtl="0">
-              <a:spcBef>
-                <a:spcPts val="0"/>
-              </a:spcBef>
-              <a:spcAft>
-                <a:spcPts val="0"/>
-              </a:spcAft>
-              <a:buSzPts val="900"/>
-              <a:buNone/>
-              <a:defRPr sz="1000">
-                <a:solidFill>
-                  <a:schemeClr val="dk1"/>
-                </a:solidFill>
-              </a:defRPr>
-            </a:lvl1pPr>
-            <a:lvl2pPr lvl="1" rtl="0">
-              <a:spcBef>
-                <a:spcPts val="0"/>
-              </a:spcBef>
-              <a:spcAft>
-                <a:spcPts val="0"/>
-              </a:spcAft>
-              <a:buSzPts val="900"/>
-              <a:buNone/>
-              <a:defRPr sz="900"/>
-            </a:lvl2pPr>
-            <a:lvl3pPr lvl="2" rtl="0">
-              <a:spcBef>
-                <a:spcPts val="0"/>
-              </a:spcBef>
-              <a:spcAft>
-                <a:spcPts val="0"/>
-              </a:spcAft>
-              <a:buSzPts val="900"/>
-              <a:buNone/>
-              <a:defRPr sz="900"/>
-            </a:lvl3pPr>
-            <a:lvl4pPr lvl="3" rtl="0">
-              <a:spcBef>
-                <a:spcPts val="0"/>
-              </a:spcBef>
-              <a:spcAft>
-                <a:spcPts val="0"/>
-              </a:spcAft>
-              <a:buSzPts val="900"/>
-              <a:buNone/>
-              <a:defRPr sz="900"/>
-            </a:lvl4pPr>
-            <a:lvl5pPr lvl="4" rtl="0">
-              <a:spcBef>
-                <a:spcPts val="0"/>
-              </a:spcBef>
-              <a:spcAft>
-                <a:spcPts val="0"/>
-              </a:spcAft>
-              <a:buSzPts val="900"/>
-              <a:buNone/>
-              <a:defRPr sz="900"/>
-            </a:lvl5pPr>
-            <a:lvl6pPr lvl="5" rtl="0">
-              <a:spcBef>
-                <a:spcPts val="0"/>
-              </a:spcBef>
-              <a:spcAft>
-                <a:spcPts val="0"/>
-              </a:spcAft>
-              <a:buSzPts val="900"/>
-              <a:buNone/>
-              <a:defRPr sz="900"/>
-            </a:lvl6pPr>
-            <a:lvl7pPr lvl="6" rtl="0">
-              <a:spcBef>
-                <a:spcPts val="0"/>
-              </a:spcBef>
-              <a:spcAft>
-                <a:spcPts val="0"/>
-              </a:spcAft>
-              <a:buSzPts val="900"/>
-              <a:buNone/>
-              <a:defRPr sz="900"/>
-            </a:lvl7pPr>
-            <a:lvl8pPr lvl="7" rtl="0">
-              <a:spcBef>
-                <a:spcPts val="0"/>
-              </a:spcBef>
-              <a:spcAft>
-                <a:spcPts val="0"/>
-              </a:spcAft>
-              <a:buSzPts val="900"/>
-              <a:buNone/>
-              <a:defRPr sz="900"/>
-            </a:lvl8pPr>
-            <a:lvl9pPr lvl="8" rtl="0">
-              <a:spcBef>
-                <a:spcPts val="0"/>
-              </a:spcBef>
-              <a:spcAft>
-                <a:spcPts val="0"/>
-              </a:spcAft>
-              <a:buSzPts val="900"/>
-              <a:buNone/>
-              <a:defRPr sz="900"/>
-            </a:lvl9pPr>
-          </a:lstStyle>
-          <a:p>
-            <a:endParaRPr/>
-          </a:p>
-        </p:txBody>
-      </p:sp>
-    </p:spTree>
-  </p:cSld>
-  <p:clrMapOvr>
-    <a:masterClrMapping/>
-  </p:clrMapOvr>
+  <mc:AlternateContent xmlns:mc="http://schemas.openxmlformats.org/markup-compatibility/2006">
+    <mc:Choice xmlns:p159="http://schemas.microsoft.com/office/powerpoint/2015/09/main" Requires="p159">
+      <p:transition xmlns:p14="http://schemas.microsoft.com/office/powerpoint/2010/main" spd="slow" p14:dur="2000">
+        <p159:morph option="byObject"/>
+      </p:transition>
+    </mc:Choice>
+    <mc:Fallback>
+      <p:transition spd="slow">
+        <p:fade/>
+      </p:transition>
+    </mc:Fallback>
+  </mc:AlternateContent>
 </p:sldLayout>
 </file>
 
@@ -7895,8 +10545,19 @@
     <p:sldLayoutId id="2147483658" r:id="rId3"/>
     <p:sldLayoutId id="2147483659" r:id="rId4"/>
     <p:sldLayoutId id="2147483673" r:id="rId5"/>
-    <p:sldLayoutId id="2147483674" r:id="rId6"/>
   </p:sldLayoutIdLst>
+  <mc:AlternateContent xmlns:mc="http://schemas.openxmlformats.org/markup-compatibility/2006">
+    <mc:Choice xmlns:p159="http://schemas.microsoft.com/office/powerpoint/2015/09/main" Requires="p159">
+      <p:transition xmlns:p14="http://schemas.microsoft.com/office/powerpoint/2010/main" spd="slow" p14:dur="2000">
+        <p159:morph option="byObject"/>
+      </p:transition>
+    </mc:Choice>
+    <mc:Fallback>
+      <p:transition spd="slow">
+        <p:fade/>
+      </p:transition>
+    </mc:Fallback>
+  </mc:AlternateContent>
   <p:hf hdr="0" ftr="0" dt="0"/>
   <p:txStyles>
     <p:titleStyle>
@@ -8625,7 +11286,9 @@
             <a:schemeClr val="dk2"/>
           </a:solidFill>
           <a:ln>
-            <a:noFill/>
+            <a:solidFill>
+              <a:schemeClr val="accent6"/>
+            </a:solidFill>
           </a:ln>
         </p:spPr>
         <p:txBody>
@@ -9149,10 +11812,308 @@
   <p:clrMapOvr>
     <a:masterClrMapping/>
   </p:clrMapOvr>
+  <mc:AlternateContent xmlns:mc="http://schemas.openxmlformats.org/markup-compatibility/2006">
+    <mc:Choice xmlns:p159="http://schemas.microsoft.com/office/powerpoint/2015/09/main" Requires="p159">
+      <p:transition xmlns:p14="http://schemas.microsoft.com/office/powerpoint/2010/main" spd="slow" p14:dur="2000">
+        <p159:morph option="byObject"/>
+      </p:transition>
+    </mc:Choice>
+    <mc:Fallback>
+      <p:transition spd="slow">
+        <p:fade/>
+      </p:transition>
+    </mc:Fallback>
+  </mc:AlternateContent>
 </p:sld>
 </file>
 
 <file path=ppt/slides/slide2.xml><?xml version="1.0" encoding="utf-8"?>
+<p:sld xmlns:a="http://schemas.openxmlformats.org/drawingml/2006/main" xmlns:r="http://schemas.openxmlformats.org/officeDocument/2006/relationships" xmlns:p="http://schemas.openxmlformats.org/presentationml/2006/main">
+  <p:cSld>
+    <p:spTree>
+      <p:nvGrpSpPr>
+        <p:cNvPr id="1" name=""/>
+        <p:cNvGrpSpPr/>
+        <p:nvPr/>
+      </p:nvGrpSpPr>
+      <p:grpSpPr>
+        <a:xfrm>
+          <a:off x="0" y="0"/>
+          <a:ext cx="0" cy="0"/>
+          <a:chOff x="0" y="0"/>
+          <a:chExt cx="0" cy="0"/>
+        </a:xfrm>
+      </p:grpSpPr>
+      <p:sp>
+        <p:nvSpPr>
+          <p:cNvPr id="4" name="Title 3">
+            <a:extLst>
+              <a:ext uri="{FF2B5EF4-FFF2-40B4-BE49-F238E27FC236}">
+                <a16:creationId xmlns:a16="http://schemas.microsoft.com/office/drawing/2014/main" id="{50283BD3-8180-51FC-C77C-090C6E73B86E}"/>
+              </a:ext>
+            </a:extLst>
+          </p:cNvPr>
+          <p:cNvSpPr>
+            <a:spLocks noGrp="1"/>
+          </p:cNvSpPr>
+          <p:nvPr>
+            <p:ph type="ctrTitle" idx="2"/>
+          </p:nvPr>
+        </p:nvSpPr>
+        <p:spPr>
+          <a:xfrm>
+            <a:off x="474711" y="226624"/>
+            <a:ext cx="2490900" cy="432300"/>
+          </a:xfrm>
+        </p:spPr>
+        <p:txBody>
+          <a:bodyPr/>
+          <a:lstStyle/>
+          <a:p>
+            <a:pPr algn="l"/>
+            <a:r>
+              <a:rPr lang="en-US" sz="2400" dirty="0"/>
+              <a:t>Overview:</a:t>
+            </a:r>
+          </a:p>
+        </p:txBody>
+      </p:sp>
+      <p:sp>
+        <p:nvSpPr>
+          <p:cNvPr id="5" name="Slide Number Placeholder 4">
+            <a:extLst>
+              <a:ext uri="{FF2B5EF4-FFF2-40B4-BE49-F238E27FC236}">
+                <a16:creationId xmlns:a16="http://schemas.microsoft.com/office/drawing/2014/main" id="{4CAF8A5F-392E-9251-831C-4AC990395FA2}"/>
+              </a:ext>
+            </a:extLst>
+          </p:cNvPr>
+          <p:cNvSpPr>
+            <a:spLocks noGrp="1"/>
+          </p:cNvSpPr>
+          <p:nvPr>
+            <p:ph type="sldNum" idx="12"/>
+          </p:nvPr>
+        </p:nvSpPr>
+        <p:spPr/>
+        <p:txBody>
+          <a:bodyPr/>
+          <a:lstStyle/>
+          <a:p>
+            <a:pPr marL="0" lvl="0" indent="0" algn="ctr" rtl="0">
+              <a:spcBef>
+                <a:spcPts val="0"/>
+              </a:spcBef>
+              <a:spcAft>
+                <a:spcPts val="0"/>
+              </a:spcAft>
+              <a:buNone/>
+            </a:pPr>
+            <a:fld id="{00000000-1234-1234-1234-123412341234}" type="slidenum">
+              <a:rPr lang="en" smtClean="0"/>
+              <a:t>2</a:t>
+            </a:fld>
+            <a:endParaRPr lang="en"/>
+          </a:p>
+        </p:txBody>
+      </p:sp>
+      <p:graphicFrame>
+        <p:nvGraphicFramePr>
+          <p:cNvPr id="6" name="Diagram 5">
+            <a:extLst>
+              <a:ext uri="{FF2B5EF4-FFF2-40B4-BE49-F238E27FC236}">
+                <a16:creationId xmlns:a16="http://schemas.microsoft.com/office/drawing/2014/main" id="{074C459D-128B-5C41-224A-BAB742A8BCB2}"/>
+              </a:ext>
+            </a:extLst>
+          </p:cNvPr>
+          <p:cNvGraphicFramePr/>
+          <p:nvPr>
+            <p:extLst>
+              <p:ext uri="{D42A27DB-BD31-4B8C-83A1-F6EECF244321}">
+                <p14:modId xmlns:p14="http://schemas.microsoft.com/office/powerpoint/2010/main" val="3487546857"/>
+              </p:ext>
+            </p:extLst>
+          </p:nvPr>
+        </p:nvGraphicFramePr>
+        <p:xfrm>
+          <a:off x="2965611" y="1113609"/>
+          <a:ext cx="4861035" cy="3264614"/>
+        </p:xfrm>
+        <a:graphic>
+          <a:graphicData uri="http://schemas.openxmlformats.org/drawingml/2006/diagram">
+            <dgm:relIds xmlns:dgm="http://schemas.openxmlformats.org/drawingml/2006/diagram" xmlns:r="http://schemas.openxmlformats.org/officeDocument/2006/relationships" r:dm="rId2" r:lo="rId3" r:qs="rId4" r:cs="rId5"/>
+          </a:graphicData>
+        </a:graphic>
+      </p:graphicFrame>
+      <p:pic>
+        <p:nvPicPr>
+          <p:cNvPr id="7" name="Graphic 6" descr="Circle with left arrow outline">
+            <a:extLst>
+              <a:ext uri="{FF2B5EF4-FFF2-40B4-BE49-F238E27FC236}">
+                <a16:creationId xmlns:a16="http://schemas.microsoft.com/office/drawing/2014/main" id="{0DA8B963-C35F-FA3B-E299-50DAEF1C5084}"/>
+              </a:ext>
+            </a:extLst>
+          </p:cNvPr>
+          <p:cNvPicPr>
+            <a:picLocks noChangeAspect="1"/>
+          </p:cNvPicPr>
+          <p:nvPr/>
+        </p:nvPicPr>
+        <p:blipFill>
+          <a:blip r:embed="rId7">
+            <a:extLst>
+              <a:ext uri="{96DAC541-7B7A-43D3-8B79-37D633B846F1}">
+                <asvg:svgBlip xmlns:asvg="http://schemas.microsoft.com/office/drawing/2016/SVG/main" r:embed="rId8"/>
+              </a:ext>
+            </a:extLst>
+          </a:blip>
+          <a:stretch>
+            <a:fillRect/>
+          </a:stretch>
+        </p:blipFill>
+        <p:spPr>
+          <a:xfrm>
+            <a:off x="1770657" y="1394522"/>
+            <a:ext cx="592689" cy="592689"/>
+          </a:xfrm>
+          <a:prstGeom prst="rect">
+            <a:avLst/>
+          </a:prstGeom>
+        </p:spPr>
+      </p:pic>
+      <p:pic>
+        <p:nvPicPr>
+          <p:cNvPr id="8" name="Graphic 7" descr="Circle with left arrow outline">
+            <a:extLst>
+              <a:ext uri="{FF2B5EF4-FFF2-40B4-BE49-F238E27FC236}">
+                <a16:creationId xmlns:a16="http://schemas.microsoft.com/office/drawing/2014/main" id="{563F39B5-68A9-6057-167B-D9D9B2BD8869}"/>
+              </a:ext>
+            </a:extLst>
+          </p:cNvPr>
+          <p:cNvPicPr>
+            <a:picLocks noChangeAspect="1"/>
+          </p:cNvPicPr>
+          <p:nvPr/>
+        </p:nvPicPr>
+        <p:blipFill>
+          <a:blip r:embed="rId7">
+            <a:extLst>
+              <a:ext uri="{96DAC541-7B7A-43D3-8B79-37D633B846F1}">
+                <asvg:svgBlip xmlns:asvg="http://schemas.microsoft.com/office/drawing/2016/SVG/main" r:embed="rId9"/>
+              </a:ext>
+            </a:extLst>
+          </a:blip>
+          <a:stretch>
+            <a:fillRect/>
+          </a:stretch>
+        </p:blipFill>
+        <p:spPr>
+          <a:xfrm>
+            <a:off x="1770657" y="2153227"/>
+            <a:ext cx="592689" cy="592689"/>
+          </a:xfrm>
+          <a:prstGeom prst="rect">
+            <a:avLst/>
+          </a:prstGeom>
+        </p:spPr>
+      </p:pic>
+      <p:pic>
+        <p:nvPicPr>
+          <p:cNvPr id="9" name="Graphic 8" descr="Circle with left arrow outline">
+            <a:extLst>
+              <a:ext uri="{FF2B5EF4-FFF2-40B4-BE49-F238E27FC236}">
+                <a16:creationId xmlns:a16="http://schemas.microsoft.com/office/drawing/2014/main" id="{8D1D8D4D-0D4A-7F1A-5B24-6BE4BFB79292}"/>
+              </a:ext>
+            </a:extLst>
+          </p:cNvPr>
+          <p:cNvPicPr>
+            <a:picLocks noChangeAspect="1"/>
+          </p:cNvPicPr>
+          <p:nvPr/>
+        </p:nvPicPr>
+        <p:blipFill>
+          <a:blip r:embed="rId7">
+            <a:extLst>
+              <a:ext uri="{96DAC541-7B7A-43D3-8B79-37D633B846F1}">
+                <asvg:svgBlip xmlns:asvg="http://schemas.microsoft.com/office/drawing/2016/SVG/main" r:embed="rId9"/>
+              </a:ext>
+            </a:extLst>
+          </a:blip>
+          <a:stretch>
+            <a:fillRect/>
+          </a:stretch>
+        </p:blipFill>
+        <p:spPr>
+          <a:xfrm>
+            <a:off x="1770657" y="2911932"/>
+            <a:ext cx="592689" cy="592689"/>
+          </a:xfrm>
+          <a:prstGeom prst="rect">
+            <a:avLst/>
+          </a:prstGeom>
+        </p:spPr>
+      </p:pic>
+      <p:pic>
+        <p:nvPicPr>
+          <p:cNvPr id="10" name="Graphic 9" descr="Circle with left arrow outline">
+            <a:extLst>
+              <a:ext uri="{FF2B5EF4-FFF2-40B4-BE49-F238E27FC236}">
+                <a16:creationId xmlns:a16="http://schemas.microsoft.com/office/drawing/2014/main" id="{4E5D9208-1DD8-6F62-A08E-165D2F3B91B0}"/>
+              </a:ext>
+            </a:extLst>
+          </p:cNvPr>
+          <p:cNvPicPr>
+            <a:picLocks noChangeAspect="1"/>
+          </p:cNvPicPr>
+          <p:nvPr/>
+        </p:nvPicPr>
+        <p:blipFill>
+          <a:blip r:embed="rId7">
+            <a:extLst>
+              <a:ext uri="{96DAC541-7B7A-43D3-8B79-37D633B846F1}">
+                <asvg:svgBlip xmlns:asvg="http://schemas.microsoft.com/office/drawing/2016/SVG/main" r:embed="rId9"/>
+              </a:ext>
+            </a:extLst>
+          </a:blip>
+          <a:stretch>
+            <a:fillRect/>
+          </a:stretch>
+        </p:blipFill>
+        <p:spPr>
+          <a:xfrm>
+            <a:off x="1770657" y="3670637"/>
+            <a:ext cx="592689" cy="592689"/>
+          </a:xfrm>
+          <a:prstGeom prst="rect">
+            <a:avLst/>
+          </a:prstGeom>
+        </p:spPr>
+      </p:pic>
+    </p:spTree>
+    <p:extLst>
+      <p:ext uri="{BB962C8B-B14F-4D97-AF65-F5344CB8AC3E}">
+        <p14:creationId xmlns:p14="http://schemas.microsoft.com/office/powerpoint/2010/main" val="1260158577"/>
+      </p:ext>
+    </p:extLst>
+  </p:cSld>
+  <p:clrMapOvr>
+    <a:masterClrMapping/>
+  </p:clrMapOvr>
+  <mc:AlternateContent xmlns:mc="http://schemas.openxmlformats.org/markup-compatibility/2006">
+    <mc:Choice xmlns:p159="http://schemas.microsoft.com/office/powerpoint/2015/09/main" Requires="p159">
+      <p:transition xmlns:p14="http://schemas.microsoft.com/office/powerpoint/2010/main" spd="slow" p14:dur="2000">
+        <p159:morph option="byObject"/>
+      </p:transition>
+    </mc:Choice>
+    <mc:Fallback>
+      <p:transition spd="slow">
+        <p:fade/>
+      </p:transition>
+    </mc:Fallback>
+  </mc:AlternateContent>
+</p:sld>
+</file>
+
+<file path=ppt/slides/slide3.xml><?xml version="1.0" encoding="utf-8"?>
 <p:sld xmlns:a="http://schemas.openxmlformats.org/drawingml/2006/main" xmlns:r="http://schemas.openxmlformats.org/officeDocument/2006/relationships" xmlns:p="http://schemas.openxmlformats.org/presentationml/2006/main">
   <p:cSld>
     <p:spTree>
@@ -9205,7 +12166,7 @@
             </a:pPr>
             <a:fld id="{00000000-1234-1234-1234-123412341234}" type="slidenum">
               <a:rPr lang="en"/>
-              <a:t>2</a:t>
+              <a:t>3</a:t>
             </a:fld>
             <a:endParaRPr/>
           </a:p>
@@ -9969,8 +12930,8 @@
         </p:blipFill>
         <p:spPr>
           <a:xfrm>
-            <a:off x="2164663" y="1913682"/>
-            <a:ext cx="1316135" cy="1316135"/>
+            <a:off x="1781227" y="1562774"/>
+            <a:ext cx="1857931" cy="1857931"/>
           </a:xfrm>
           <a:prstGeom prst="rect">
             <a:avLst/>
@@ -9982,10 +12943,22 @@
   <p:clrMapOvr>
     <a:masterClrMapping/>
   </p:clrMapOvr>
+  <mc:AlternateContent xmlns:mc="http://schemas.openxmlformats.org/markup-compatibility/2006">
+    <mc:Choice xmlns:p159="http://schemas.microsoft.com/office/powerpoint/2015/09/main" Requires="p159">
+      <p:transition xmlns:p14="http://schemas.microsoft.com/office/powerpoint/2010/main" spd="slow" p14:dur="2000">
+        <p159:morph option="byObject"/>
+      </p:transition>
+    </mc:Choice>
+    <mc:Fallback>
+      <p:transition spd="slow">
+        <p:fade/>
+      </p:transition>
+    </mc:Fallback>
+  </mc:AlternateContent>
 </p:sld>
 </file>
 
-<file path=ppt/slides/slide3.xml><?xml version="1.0" encoding="utf-8"?>
+<file path=ppt/slides/slide4.xml><?xml version="1.0" encoding="utf-8"?>
 <p:sld xmlns:a="http://schemas.openxmlformats.org/drawingml/2006/main" xmlns:r="http://schemas.openxmlformats.org/officeDocument/2006/relationships" xmlns:p="http://schemas.openxmlformats.org/presentationml/2006/main">
   <p:cSld>
     <p:spTree>
@@ -10038,7 +13011,7 @@
             </a:pPr>
             <a:fld id="{00000000-1234-1234-1234-123412341234}" type="slidenum">
               <a:rPr lang="en"/>
-              <a:t>3</a:t>
+              <a:t>4</a:t>
             </a:fld>
             <a:endParaRPr/>
           </a:p>
@@ -10711,7 +13684,7 @@
         <p:spPr>
           <a:xfrm>
             <a:off x="6408388" y="1944618"/>
-            <a:ext cx="2930615" cy="1913071"/>
+            <a:ext cx="2930615" cy="2568882"/>
           </a:xfrm>
           <a:prstGeom prst="rect">
             <a:avLst/>
@@ -11009,7 +13982,7 @@
               </a:spcAft>
             </a:pPr>
             <a:r>
-              <a:rPr lang="en-US" dirty="0"/>
+              <a:rPr lang="en-US" b="1" dirty="0"/>
               <a:t>{</a:t>
             </a:r>
           </a:p>
@@ -11020,7 +13993,7 @@
               </a:spcAft>
             </a:pPr>
             <a:r>
-              <a:rPr lang="en-US" dirty="0"/>
+              <a:rPr lang="en-US" b="1" dirty="0"/>
               <a:t>      username: ‘catdog123’</a:t>
             </a:r>
           </a:p>
@@ -11031,7 +14004,7 @@
               </a:spcAft>
             </a:pPr>
             <a:r>
-              <a:rPr lang="en-US" dirty="0"/>
+              <a:rPr lang="en-US" b="1" dirty="0"/>
               <a:t>      password: ‘lizard987’</a:t>
             </a:r>
           </a:p>
@@ -11041,7 +14014,7 @@
                 <a:spcPts val="100"/>
               </a:spcAft>
             </a:pPr>
-            <a:endParaRPr lang="en-US" dirty="0"/>
+            <a:endParaRPr lang="en-US" b="1" dirty="0"/>
           </a:p>
           <a:p>
             <a:pPr>
@@ -11050,7 +14023,7 @@
               </a:spcAft>
             </a:pPr>
             <a:r>
-              <a:rPr lang="en-US" dirty="0"/>
+              <a:rPr lang="en-US" b="1" dirty="0"/>
               <a:t>}</a:t>
             </a:r>
           </a:p>
@@ -11061,10 +14034,22 @@
   <p:clrMapOvr>
     <a:masterClrMapping/>
   </p:clrMapOvr>
+  <mc:AlternateContent xmlns:mc="http://schemas.openxmlformats.org/markup-compatibility/2006">
+    <mc:Choice xmlns:p159="http://schemas.microsoft.com/office/powerpoint/2015/09/main" Requires="p159">
+      <p:transition xmlns:p14="http://schemas.microsoft.com/office/powerpoint/2010/main" spd="slow" p14:dur="2000">
+        <p159:morph option="byObject"/>
+      </p:transition>
+    </mc:Choice>
+    <mc:Fallback>
+      <p:transition spd="slow">
+        <p:fade/>
+      </p:transition>
+    </mc:Fallback>
+  </mc:AlternateContent>
 </p:sld>
 </file>
 
-<file path=ppt/slides/slide4.xml><?xml version="1.0" encoding="utf-8"?>
+<file path=ppt/slides/slide5.xml><?xml version="1.0" encoding="utf-8"?>
 <p:sld xmlns:a="http://schemas.openxmlformats.org/drawingml/2006/main" xmlns:r="http://schemas.openxmlformats.org/officeDocument/2006/relationships" xmlns:p="http://schemas.openxmlformats.org/presentationml/2006/main">
   <p:cSld>
     <p:spTree>
@@ -11117,7 +14102,7 @@
             </a:pPr>
             <a:fld id="{00000000-1234-1234-1234-123412341234}" type="slidenum">
               <a:rPr lang="en"/>
-              <a:t>4</a:t>
+              <a:t>5</a:t>
             </a:fld>
             <a:endParaRPr/>
           </a:p>
@@ -11823,7 +14808,7 @@
             </a:pPr>
             <a:r>
               <a:rPr lang="en-US" dirty="0"/>
-              <a:t>Rather than storing a password in the database, we run the password through a </a:t>
+              <a:t>Rather than storing a password in the database as it is, we run the password through a </a:t>
             </a:r>
             <a:r>
               <a:rPr lang="en-US" b="1" dirty="0"/>
@@ -12195,10 +15180,22 @@
   <p:clrMapOvr>
     <a:masterClrMapping/>
   </p:clrMapOvr>
+  <mc:AlternateContent xmlns:mc="http://schemas.openxmlformats.org/markup-compatibility/2006">
+    <mc:Choice xmlns:p159="http://schemas.microsoft.com/office/powerpoint/2015/09/main" Requires="p159">
+      <p:transition xmlns:p14="http://schemas.microsoft.com/office/powerpoint/2010/main" spd="slow" p14:dur="2000">
+        <p159:morph option="byObject"/>
+      </p:transition>
+    </mc:Choice>
+    <mc:Fallback>
+      <p:transition spd="slow">
+        <p:fade/>
+      </p:transition>
+    </mc:Fallback>
+  </mc:AlternateContent>
 </p:sld>
 </file>
 
-<file path=ppt/slides/slide5.xml><?xml version="1.0" encoding="utf-8"?>
+<file path=ppt/slides/slide6.xml><?xml version="1.0" encoding="utf-8"?>
 <p:sld xmlns:a="http://schemas.openxmlformats.org/drawingml/2006/main" xmlns:r="http://schemas.openxmlformats.org/officeDocument/2006/relationships" xmlns:p="http://schemas.openxmlformats.org/presentationml/2006/main">
   <p:cSld>
     <p:spTree>
@@ -12292,7 +15289,7 @@
             </a:pPr>
             <a:fld id="{00000000-1234-1234-1234-123412341234}" type="slidenum">
               <a:rPr lang="en"/>
-              <a:t>5</a:t>
+              <a:t>6</a:t>
             </a:fld>
             <a:endParaRPr/>
           </a:p>
@@ -13327,10 +16324,22 @@
   <p:clrMapOvr>
     <a:masterClrMapping/>
   </p:clrMapOvr>
+  <mc:AlternateContent xmlns:mc="http://schemas.openxmlformats.org/markup-compatibility/2006">
+    <mc:Choice xmlns:p159="http://schemas.microsoft.com/office/powerpoint/2015/09/main" Requires="p159">
+      <p:transition xmlns:p14="http://schemas.microsoft.com/office/powerpoint/2010/main" spd="slow" p14:dur="2000">
+        <p159:morph option="byObject"/>
+      </p:transition>
+    </mc:Choice>
+    <mc:Fallback>
+      <p:transition spd="slow">
+        <p:fade/>
+      </p:transition>
+    </mc:Fallback>
+  </mc:AlternateContent>
 </p:sld>
 </file>
 
-<file path=ppt/slides/slide6.xml><?xml version="1.0" encoding="utf-8"?>
+<file path=ppt/slides/slide7.xml><?xml version="1.0" encoding="utf-8"?>
 <p:sld xmlns:a="http://schemas.openxmlformats.org/drawingml/2006/main" xmlns:r="http://schemas.openxmlformats.org/officeDocument/2006/relationships" xmlns:p="http://schemas.openxmlformats.org/presentationml/2006/main">
   <p:cSld>
     <p:spTree>
@@ -13383,7 +16392,7 @@
             </a:pPr>
             <a:fld id="{00000000-1234-1234-1234-123412341234}" type="slidenum">
               <a:rPr lang="en"/>
-              <a:t>6</a:t>
+              <a:t>7</a:t>
             </a:fld>
             <a:endParaRPr/>
           </a:p>
@@ -15053,7 +18062,7 @@
         </p:nvSpPr>
         <p:spPr>
           <a:xfrm>
-            <a:off x="5575125" y="3691641"/>
+            <a:off x="5584231" y="3670073"/>
             <a:ext cx="1915886" cy="954107"/>
           </a:xfrm>
           <a:prstGeom prst="rect">
@@ -15201,7 +18210,7 @@
         </p:nvSpPr>
         <p:spPr>
           <a:xfrm>
-            <a:off x="5609314" y="3746116"/>
+            <a:off x="5643839" y="3685514"/>
             <a:ext cx="1778458" cy="923227"/>
           </a:xfrm>
           <a:prstGeom prst="rect">
@@ -15239,6 +18248,51 @@
           </a:p>
         </p:txBody>
       </p:sp>
+      <p:cxnSp>
+        <p:nvCxnSpPr>
+          <p:cNvPr id="6" name="Straight Connector 5">
+            <a:extLst>
+              <a:ext uri="{FF2B5EF4-FFF2-40B4-BE49-F238E27FC236}">
+                <a16:creationId xmlns:a16="http://schemas.microsoft.com/office/drawing/2014/main" id="{361B6732-C35D-6CBD-DC67-831A866A9DCB}"/>
+              </a:ext>
+            </a:extLst>
+          </p:cNvPr>
+          <p:cNvCxnSpPr/>
+          <p:nvPr/>
+        </p:nvCxnSpPr>
+        <p:spPr>
+          <a:xfrm>
+            <a:off x="581516" y="3472493"/>
+            <a:ext cx="7798759" cy="0"/>
+          </a:xfrm>
+          <a:prstGeom prst="line">
+            <a:avLst/>
+          </a:prstGeom>
+          <a:ln w="9525" cap="flat" cmpd="sng" algn="ctr">
+            <a:solidFill>
+              <a:schemeClr val="accent6"/>
+            </a:solidFill>
+            <a:prstDash val="dash"/>
+            <a:round/>
+            <a:headEnd type="none" w="med" len="med"/>
+            <a:tailEnd type="none" w="med" len="med"/>
+          </a:ln>
+        </p:spPr>
+        <p:style>
+          <a:lnRef idx="0">
+            <a:scrgbClr r="0" g="0" b="0"/>
+          </a:lnRef>
+          <a:fillRef idx="0">
+            <a:scrgbClr r="0" g="0" b="0"/>
+          </a:fillRef>
+          <a:effectRef idx="0">
+            <a:scrgbClr r="0" g="0" b="0"/>
+          </a:effectRef>
+          <a:fontRef idx="minor">
+            <a:schemeClr val="tx1"/>
+          </a:fontRef>
+        </p:style>
+      </p:cxnSp>
     </p:spTree>
     <p:extLst>
       <p:ext uri="{BB962C8B-B14F-4D97-AF65-F5344CB8AC3E}">
@@ -15249,10 +18303,498 @@
   <p:clrMapOvr>
     <a:masterClrMapping/>
   </p:clrMapOvr>
+  <mc:AlternateContent xmlns:mc="http://schemas.openxmlformats.org/markup-compatibility/2006">
+    <mc:Choice xmlns:p159="http://schemas.microsoft.com/office/powerpoint/2015/09/main" Requires="p159">
+      <p:transition xmlns:p14="http://schemas.microsoft.com/office/powerpoint/2010/main" spd="slow" p14:dur="2000">
+        <p159:morph option="byObject"/>
+      </p:transition>
+    </mc:Choice>
+    <mc:Fallback>
+      <p:transition spd="slow">
+        <p:fade/>
+      </p:transition>
+    </mc:Fallback>
+  </mc:AlternateContent>
+  <p:timing>
+    <p:tnLst>
+      <p:par>
+        <p:cTn id="1" dur="indefinite" restart="never" nodeType="tmRoot">
+          <p:childTnLst>
+            <p:seq concurrent="1" nextAc="seek">
+              <p:cTn id="2" dur="indefinite" nodeType="mainSeq">
+                <p:childTnLst>
+                  <p:par>
+                    <p:cTn id="3" fill="hold">
+                      <p:stCondLst>
+                        <p:cond delay="indefinite"/>
+                      </p:stCondLst>
+                      <p:childTnLst>
+                        <p:par>
+                          <p:cTn id="4" fill="hold">
+                            <p:stCondLst>
+                              <p:cond delay="0"/>
+                            </p:stCondLst>
+                            <p:childTnLst>
+                              <p:par>
+                                <p:cTn id="5" presetID="10" presetClass="entr" presetSubtype="0" fill="hold" grpId="0" nodeType="clickEffect">
+                                  <p:stCondLst>
+                                    <p:cond delay="0"/>
+                                  </p:stCondLst>
+                                  <p:childTnLst>
+                                    <p:set>
+                                      <p:cBhvr>
+                                        <p:cTn id="6" dur="1" fill="hold">
+                                          <p:stCondLst>
+                                            <p:cond delay="0"/>
+                                          </p:stCondLst>
+                                        </p:cTn>
+                                        <p:tgtEl>
+                                          <p:spTgt spid="18"/>
+                                        </p:tgtEl>
+                                        <p:attrNameLst>
+                                          <p:attrName>style.visibility</p:attrName>
+                                        </p:attrNameLst>
+                                      </p:cBhvr>
+                                      <p:to>
+                                        <p:strVal val="visible"/>
+                                      </p:to>
+                                    </p:set>
+                                    <p:animEffect transition="in" filter="fade">
+                                      <p:cBhvr>
+                                        <p:cTn id="7" dur="500"/>
+                                        <p:tgtEl>
+                                          <p:spTgt spid="18"/>
+                                        </p:tgtEl>
+                                      </p:cBhvr>
+                                    </p:animEffect>
+                                  </p:childTnLst>
+                                </p:cTn>
+                              </p:par>
+                              <p:par>
+                                <p:cTn id="8" presetID="10" presetClass="entr" presetSubtype="0" fill="hold" nodeType="withEffect">
+                                  <p:stCondLst>
+                                    <p:cond delay="0"/>
+                                  </p:stCondLst>
+                                  <p:childTnLst>
+                                    <p:set>
+                                      <p:cBhvr>
+                                        <p:cTn id="9" dur="1" fill="hold">
+                                          <p:stCondLst>
+                                            <p:cond delay="0"/>
+                                          </p:stCondLst>
+                                        </p:cTn>
+                                        <p:tgtEl>
+                                          <p:spTgt spid="17"/>
+                                        </p:tgtEl>
+                                        <p:attrNameLst>
+                                          <p:attrName>style.visibility</p:attrName>
+                                        </p:attrNameLst>
+                                      </p:cBhvr>
+                                      <p:to>
+                                        <p:strVal val="visible"/>
+                                      </p:to>
+                                    </p:set>
+                                    <p:animEffect transition="in" filter="fade">
+                                      <p:cBhvr>
+                                        <p:cTn id="10" dur="500"/>
+                                        <p:tgtEl>
+                                          <p:spTgt spid="17"/>
+                                        </p:tgtEl>
+                                      </p:cBhvr>
+                                    </p:animEffect>
+                                  </p:childTnLst>
+                                </p:cTn>
+                              </p:par>
+                              <p:par>
+                                <p:cTn id="11" presetID="10" presetClass="entr" presetSubtype="0" fill="hold" grpId="0" nodeType="withEffect">
+                                  <p:stCondLst>
+                                    <p:cond delay="0"/>
+                                  </p:stCondLst>
+                                  <p:childTnLst>
+                                    <p:set>
+                                      <p:cBhvr>
+                                        <p:cTn id="12" dur="1" fill="hold">
+                                          <p:stCondLst>
+                                            <p:cond delay="0"/>
+                                          </p:stCondLst>
+                                        </p:cTn>
+                                        <p:tgtEl>
+                                          <p:spTgt spid="16"/>
+                                        </p:tgtEl>
+                                        <p:attrNameLst>
+                                          <p:attrName>style.visibility</p:attrName>
+                                        </p:attrNameLst>
+                                      </p:cBhvr>
+                                      <p:to>
+                                        <p:strVal val="visible"/>
+                                      </p:to>
+                                    </p:set>
+                                    <p:animEffect transition="in" filter="fade">
+                                      <p:cBhvr>
+                                        <p:cTn id="13" dur="500"/>
+                                        <p:tgtEl>
+                                          <p:spTgt spid="16"/>
+                                        </p:tgtEl>
+                                      </p:cBhvr>
+                                    </p:animEffect>
+                                  </p:childTnLst>
+                                </p:cTn>
+                              </p:par>
+                            </p:childTnLst>
+                          </p:cTn>
+                        </p:par>
+                      </p:childTnLst>
+                    </p:cTn>
+                  </p:par>
+                  <p:par>
+                    <p:cTn id="14" fill="hold">
+                      <p:stCondLst>
+                        <p:cond delay="indefinite"/>
+                      </p:stCondLst>
+                      <p:childTnLst>
+                        <p:par>
+                          <p:cTn id="15" fill="hold">
+                            <p:stCondLst>
+                              <p:cond delay="0"/>
+                            </p:stCondLst>
+                            <p:childTnLst>
+                              <p:par>
+                                <p:cTn id="16" presetID="10" presetClass="entr" presetSubtype="0" fill="hold" grpId="0" nodeType="clickEffect">
+                                  <p:stCondLst>
+                                    <p:cond delay="0"/>
+                                  </p:stCondLst>
+                                  <p:childTnLst>
+                                    <p:set>
+                                      <p:cBhvr>
+                                        <p:cTn id="17" dur="1" fill="hold">
+                                          <p:stCondLst>
+                                            <p:cond delay="0"/>
+                                          </p:stCondLst>
+                                        </p:cTn>
+                                        <p:tgtEl>
+                                          <p:spTgt spid="4"/>
+                                        </p:tgtEl>
+                                        <p:attrNameLst>
+                                          <p:attrName>style.visibility</p:attrName>
+                                        </p:attrNameLst>
+                                      </p:cBhvr>
+                                      <p:to>
+                                        <p:strVal val="visible"/>
+                                      </p:to>
+                                    </p:set>
+                                    <p:animEffect transition="in" filter="fade">
+                                      <p:cBhvr>
+                                        <p:cTn id="18" dur="500"/>
+                                        <p:tgtEl>
+                                          <p:spTgt spid="4"/>
+                                        </p:tgtEl>
+                                      </p:cBhvr>
+                                    </p:animEffect>
+                                  </p:childTnLst>
+                                </p:cTn>
+                              </p:par>
+                            </p:childTnLst>
+                          </p:cTn>
+                        </p:par>
+                      </p:childTnLst>
+                    </p:cTn>
+                  </p:par>
+                  <p:par>
+                    <p:cTn id="19" fill="hold">
+                      <p:stCondLst>
+                        <p:cond delay="indefinite"/>
+                      </p:stCondLst>
+                      <p:childTnLst>
+                        <p:par>
+                          <p:cTn id="20" fill="hold">
+                            <p:stCondLst>
+                              <p:cond delay="0"/>
+                            </p:stCondLst>
+                            <p:childTnLst>
+                              <p:par>
+                                <p:cTn id="21" presetID="10" presetClass="entr" presetSubtype="0" fill="hold" grpId="0" nodeType="clickEffect">
+                                  <p:stCondLst>
+                                    <p:cond delay="0"/>
+                                  </p:stCondLst>
+                                  <p:childTnLst>
+                                    <p:set>
+                                      <p:cBhvr>
+                                        <p:cTn id="22" dur="1" fill="hold">
+                                          <p:stCondLst>
+                                            <p:cond delay="0"/>
+                                          </p:stCondLst>
+                                        </p:cTn>
+                                        <p:tgtEl>
+                                          <p:spTgt spid="5"/>
+                                        </p:tgtEl>
+                                        <p:attrNameLst>
+                                          <p:attrName>style.visibility</p:attrName>
+                                        </p:attrNameLst>
+                                      </p:cBhvr>
+                                      <p:to>
+                                        <p:strVal val="visible"/>
+                                      </p:to>
+                                    </p:set>
+                                    <p:animEffect transition="in" filter="fade">
+                                      <p:cBhvr>
+                                        <p:cTn id="23" dur="500"/>
+                                        <p:tgtEl>
+                                          <p:spTgt spid="5"/>
+                                        </p:tgtEl>
+                                      </p:cBhvr>
+                                    </p:animEffect>
+                                  </p:childTnLst>
+                                </p:cTn>
+                              </p:par>
+                              <p:par>
+                                <p:cTn id="24" presetID="10" presetClass="entr" presetSubtype="0" fill="hold" grpId="0" nodeType="withEffect">
+                                  <p:stCondLst>
+                                    <p:cond delay="0"/>
+                                  </p:stCondLst>
+                                  <p:childTnLst>
+                                    <p:set>
+                                      <p:cBhvr>
+                                        <p:cTn id="25" dur="1" fill="hold">
+                                          <p:stCondLst>
+                                            <p:cond delay="0"/>
+                                          </p:stCondLst>
+                                        </p:cTn>
+                                        <p:tgtEl>
+                                          <p:spTgt spid="21"/>
+                                        </p:tgtEl>
+                                        <p:attrNameLst>
+                                          <p:attrName>style.visibility</p:attrName>
+                                        </p:attrNameLst>
+                                      </p:cBhvr>
+                                      <p:to>
+                                        <p:strVal val="visible"/>
+                                      </p:to>
+                                    </p:set>
+                                    <p:animEffect transition="in" filter="fade">
+                                      <p:cBhvr>
+                                        <p:cTn id="26" dur="500"/>
+                                        <p:tgtEl>
+                                          <p:spTgt spid="21"/>
+                                        </p:tgtEl>
+                                      </p:cBhvr>
+                                    </p:animEffect>
+                                  </p:childTnLst>
+                                </p:cTn>
+                              </p:par>
+                              <p:par>
+                                <p:cTn id="27" presetID="10" presetClass="entr" presetSubtype="0" fill="hold" grpId="0" nodeType="withEffect">
+                                  <p:stCondLst>
+                                    <p:cond delay="0"/>
+                                  </p:stCondLst>
+                                  <p:childTnLst>
+                                    <p:set>
+                                      <p:cBhvr>
+                                        <p:cTn id="28" dur="1" fill="hold">
+                                          <p:stCondLst>
+                                            <p:cond delay="0"/>
+                                          </p:stCondLst>
+                                        </p:cTn>
+                                        <p:tgtEl>
+                                          <p:spTgt spid="19"/>
+                                        </p:tgtEl>
+                                        <p:attrNameLst>
+                                          <p:attrName>style.visibility</p:attrName>
+                                        </p:attrNameLst>
+                                      </p:cBhvr>
+                                      <p:to>
+                                        <p:strVal val="visible"/>
+                                      </p:to>
+                                    </p:set>
+                                    <p:animEffect transition="in" filter="fade">
+                                      <p:cBhvr>
+                                        <p:cTn id="29" dur="500"/>
+                                        <p:tgtEl>
+                                          <p:spTgt spid="19"/>
+                                        </p:tgtEl>
+                                      </p:cBhvr>
+                                    </p:animEffect>
+                                  </p:childTnLst>
+                                </p:cTn>
+                              </p:par>
+                            </p:childTnLst>
+                          </p:cTn>
+                        </p:par>
+                      </p:childTnLst>
+                    </p:cTn>
+                  </p:par>
+                </p:childTnLst>
+              </p:cTn>
+              <p:prevCondLst>
+                <p:cond evt="onPrev" delay="0">
+                  <p:tgtEl>
+                    <p:sldTgt/>
+                  </p:tgtEl>
+                </p:cond>
+              </p:prevCondLst>
+              <p:nextCondLst>
+                <p:cond evt="onNext" delay="0">
+                  <p:tgtEl>
+                    <p:sldTgt/>
+                  </p:tgtEl>
+                </p:cond>
+              </p:nextCondLst>
+            </p:seq>
+          </p:childTnLst>
+        </p:cTn>
+      </p:par>
+    </p:tnLst>
+    <p:bldLst>
+      <p:bldP spid="16" grpId="0" animBg="1"/>
+      <p:bldP spid="18" grpId="0"/>
+      <p:bldP spid="4" grpId="0"/>
+      <p:bldP spid="19" grpId="0"/>
+      <p:bldP spid="5" grpId="0" animBg="1"/>
+      <p:bldP spid="21" grpId="0" animBg="1"/>
+    </p:bldLst>
+  </p:timing>
 </p:sld>
 </file>
 
-<file path=ppt/slides/slide7.xml><?xml version="1.0" encoding="utf-8"?>
+<file path=ppt/slides/slide8.xml><?xml version="1.0" encoding="utf-8"?>
+<p:sld xmlns:a="http://schemas.openxmlformats.org/drawingml/2006/main" xmlns:r="http://schemas.openxmlformats.org/officeDocument/2006/relationships" xmlns:p="http://schemas.openxmlformats.org/presentationml/2006/main">
+  <p:cSld>
+    <p:spTree>
+      <p:nvGrpSpPr>
+        <p:cNvPr id="1" name=""/>
+        <p:cNvGrpSpPr/>
+        <p:nvPr/>
+      </p:nvGrpSpPr>
+      <p:grpSpPr>
+        <a:xfrm>
+          <a:off x="0" y="0"/>
+          <a:ext cx="0" cy="0"/>
+          <a:chOff x="0" y="0"/>
+          <a:chExt cx="0" cy="0"/>
+        </a:xfrm>
+      </p:grpSpPr>
+      <p:sp>
+        <p:nvSpPr>
+          <p:cNvPr id="23" name="Title 22">
+            <a:extLst>
+              <a:ext uri="{FF2B5EF4-FFF2-40B4-BE49-F238E27FC236}">
+                <a16:creationId xmlns:a16="http://schemas.microsoft.com/office/drawing/2014/main" id="{E01E2DC9-7D73-9BE3-9CBF-C9FEACE33C38}"/>
+              </a:ext>
+            </a:extLst>
+          </p:cNvPr>
+          <p:cNvSpPr>
+            <a:spLocks noGrp="1"/>
+          </p:cNvSpPr>
+          <p:nvPr>
+            <p:ph type="ctrTitle"/>
+          </p:nvPr>
+        </p:nvSpPr>
+        <p:spPr>
+          <a:xfrm>
+            <a:off x="716074" y="1161150"/>
+            <a:ext cx="7749499" cy="2668800"/>
+          </a:xfrm>
+        </p:spPr>
+        <p:txBody>
+          <a:bodyPr/>
+          <a:lstStyle/>
+          <a:p>
+            <a:pPr algn="ctr"/>
+            <a:r>
+              <a:rPr lang="en-US" dirty="0"/>
+              <a:t>Live Demo</a:t>
+            </a:r>
+          </a:p>
+        </p:txBody>
+      </p:sp>
+      <p:sp>
+        <p:nvSpPr>
+          <p:cNvPr id="25" name="Title 24">
+            <a:extLst>
+              <a:ext uri="{FF2B5EF4-FFF2-40B4-BE49-F238E27FC236}">
+                <a16:creationId xmlns:a16="http://schemas.microsoft.com/office/drawing/2014/main" id="{FC14B4D7-62E7-8946-94BF-500DAF290F1D}"/>
+              </a:ext>
+            </a:extLst>
+          </p:cNvPr>
+          <p:cNvSpPr>
+            <a:spLocks noGrp="1"/>
+          </p:cNvSpPr>
+          <p:nvPr>
+            <p:ph type="ctrTitle" idx="2"/>
+          </p:nvPr>
+        </p:nvSpPr>
+        <p:spPr/>
+        <p:txBody>
+          <a:bodyPr/>
+          <a:lstStyle/>
+          <a:p>
+            <a:endParaRPr lang="en-US"/>
+          </a:p>
+        </p:txBody>
+      </p:sp>
+      <p:sp>
+        <p:nvSpPr>
+          <p:cNvPr id="21" name="Slide Number Placeholder 20">
+            <a:extLst>
+              <a:ext uri="{FF2B5EF4-FFF2-40B4-BE49-F238E27FC236}">
+                <a16:creationId xmlns:a16="http://schemas.microsoft.com/office/drawing/2014/main" id="{FC9E5F65-4B9B-E560-84B2-145C9A911E8B}"/>
+              </a:ext>
+            </a:extLst>
+          </p:cNvPr>
+          <p:cNvSpPr>
+            <a:spLocks noGrp="1"/>
+          </p:cNvSpPr>
+          <p:nvPr>
+            <p:ph type="sldNum" idx="12"/>
+          </p:nvPr>
+        </p:nvSpPr>
+        <p:spPr/>
+        <p:txBody>
+          <a:bodyPr/>
+          <a:lstStyle/>
+          <a:p>
+            <a:pPr marL="0" lvl="0" indent="0" algn="ctr" rtl="0">
+              <a:spcBef>
+                <a:spcPts val="0"/>
+              </a:spcBef>
+              <a:spcAft>
+                <a:spcPts val="0"/>
+              </a:spcAft>
+              <a:buNone/>
+            </a:pPr>
+            <a:fld id="{00000000-1234-1234-1234-123412341234}" type="slidenum">
+              <a:rPr lang="en" smtClean="0"/>
+              <a:t>8</a:t>
+            </a:fld>
+            <a:endParaRPr lang="en"/>
+          </a:p>
+        </p:txBody>
+      </p:sp>
+    </p:spTree>
+    <p:extLst>
+      <p:ext uri="{BB962C8B-B14F-4D97-AF65-F5344CB8AC3E}">
+        <p14:creationId xmlns:p14="http://schemas.microsoft.com/office/powerpoint/2010/main" val="4115962923"/>
+      </p:ext>
+    </p:extLst>
+  </p:cSld>
+  <p:clrMapOvr>
+    <a:masterClrMapping/>
+  </p:clrMapOvr>
+  <mc:AlternateContent xmlns:mc="http://schemas.openxmlformats.org/markup-compatibility/2006">
+    <mc:Choice xmlns:p159="http://schemas.microsoft.com/office/powerpoint/2015/09/main" Requires="p159">
+      <p:transition xmlns:p14="http://schemas.microsoft.com/office/powerpoint/2010/main" spd="slow" p14:dur="2000">
+        <p159:morph option="byObject"/>
+      </p:transition>
+    </mc:Choice>
+    <mc:Fallback>
+      <p:transition spd="slow">
+        <p:fade/>
+      </p:transition>
+    </mc:Fallback>
+  </mc:AlternateContent>
+</p:sld>
+</file>
+
+<file path=ppt/slides/slide9.xml><?xml version="1.0" encoding="utf-8"?>
 <p:sld xmlns:a="http://schemas.openxmlformats.org/drawingml/2006/main" xmlns:r="http://schemas.openxmlformats.org/officeDocument/2006/relationships" xmlns:p="http://schemas.openxmlformats.org/presentationml/2006/main">
   <p:cSld>
     <p:spTree>
@@ -15305,7 +18847,7 @@
             </a:pPr>
             <a:fld id="{00000000-1234-1234-1234-123412341234}" type="slidenum">
               <a:rPr lang="en"/>
-              <a:t>7</a:t>
+              <a:t>9</a:t>
             </a:fld>
             <a:endParaRPr/>
           </a:p>
@@ -15379,6 +18921,18 @@
   <p:clrMapOvr>
     <a:masterClrMapping/>
   </p:clrMapOvr>
+  <mc:AlternateContent xmlns:mc="http://schemas.openxmlformats.org/markup-compatibility/2006">
+    <mc:Choice xmlns:p159="http://schemas.microsoft.com/office/powerpoint/2015/09/main" Requires="p159">
+      <p:transition xmlns:p14="http://schemas.microsoft.com/office/powerpoint/2010/main" spd="slow" p14:dur="2000">
+        <p159:morph option="byObject"/>
+      </p:transition>
+    </mc:Choice>
+    <mc:Fallback>
+      <p:transition spd="slow">
+        <p:fade/>
+      </p:transition>
+    </mc:Fallback>
+  </mc:AlternateContent>
 </p:sld>
 </file>
 
